--- a/presentation/Mobile Sensors Workshop, Part 1.pptx
+++ b/presentation/Mobile Sensors Workshop, Part 1.pptx
@@ -301,7 +301,7 @@
           <a:p>
             <a:fld id="{A7AD6539-BFAA-4A00-BACF-58AADCC3B4BB}" type="datetimeFigureOut">
               <a:rPr lang="en-US" smtClean="0"/>
-              <a:t>10/17/2014</a:t>
+              <a:t>10/18/2014</a:t>
             </a:fld>
             <a:endParaRPr lang="en-US"/>
           </a:p>
@@ -471,7 +471,7 @@
           <a:p>
             <a:fld id="{A7AD6539-BFAA-4A00-BACF-58AADCC3B4BB}" type="datetimeFigureOut">
               <a:rPr lang="en-US" smtClean="0"/>
-              <a:t>10/17/2014</a:t>
+              <a:t>10/18/2014</a:t>
             </a:fld>
             <a:endParaRPr lang="en-US"/>
           </a:p>
@@ -651,7 +651,7 @@
           <a:p>
             <a:fld id="{A7AD6539-BFAA-4A00-BACF-58AADCC3B4BB}" type="datetimeFigureOut">
               <a:rPr lang="en-US" smtClean="0"/>
-              <a:t>10/17/2014</a:t>
+              <a:t>10/18/2014</a:t>
             </a:fld>
             <a:endParaRPr lang="en-US"/>
           </a:p>
@@ -821,7 +821,7 @@
           <a:p>
             <a:fld id="{A7AD6539-BFAA-4A00-BACF-58AADCC3B4BB}" type="datetimeFigureOut">
               <a:rPr lang="en-US" smtClean="0"/>
-              <a:t>10/17/2014</a:t>
+              <a:t>10/18/2014</a:t>
             </a:fld>
             <a:endParaRPr lang="en-US"/>
           </a:p>
@@ -1067,7 +1067,7 @@
           <a:p>
             <a:fld id="{A7AD6539-BFAA-4A00-BACF-58AADCC3B4BB}" type="datetimeFigureOut">
               <a:rPr lang="en-US" smtClean="0"/>
-              <a:t>10/17/2014</a:t>
+              <a:t>10/18/2014</a:t>
             </a:fld>
             <a:endParaRPr lang="en-US"/>
           </a:p>
@@ -1299,7 +1299,7 @@
           <a:p>
             <a:fld id="{A7AD6539-BFAA-4A00-BACF-58AADCC3B4BB}" type="datetimeFigureOut">
               <a:rPr lang="en-US" smtClean="0"/>
-              <a:t>10/17/2014</a:t>
+              <a:t>10/18/2014</a:t>
             </a:fld>
             <a:endParaRPr lang="en-US"/>
           </a:p>
@@ -1666,7 +1666,7 @@
           <a:p>
             <a:fld id="{A7AD6539-BFAA-4A00-BACF-58AADCC3B4BB}" type="datetimeFigureOut">
               <a:rPr lang="en-US" smtClean="0"/>
-              <a:t>10/17/2014</a:t>
+              <a:t>10/18/2014</a:t>
             </a:fld>
             <a:endParaRPr lang="en-US"/>
           </a:p>
@@ -1784,7 +1784,7 @@
           <a:p>
             <a:fld id="{A7AD6539-BFAA-4A00-BACF-58AADCC3B4BB}" type="datetimeFigureOut">
               <a:rPr lang="en-US" smtClean="0"/>
-              <a:t>10/17/2014</a:t>
+              <a:t>10/18/2014</a:t>
             </a:fld>
             <a:endParaRPr lang="en-US"/>
           </a:p>
@@ -1879,7 +1879,7 @@
           <a:p>
             <a:fld id="{A7AD6539-BFAA-4A00-BACF-58AADCC3B4BB}" type="datetimeFigureOut">
               <a:rPr lang="en-US" smtClean="0"/>
-              <a:t>10/17/2014</a:t>
+              <a:t>10/18/2014</a:t>
             </a:fld>
             <a:endParaRPr lang="en-US"/>
           </a:p>
@@ -2156,7 +2156,7 @@
           <a:p>
             <a:fld id="{A7AD6539-BFAA-4A00-BACF-58AADCC3B4BB}" type="datetimeFigureOut">
               <a:rPr lang="en-US" smtClean="0"/>
-              <a:t>10/17/2014</a:t>
+              <a:t>10/18/2014</a:t>
             </a:fld>
             <a:endParaRPr lang="en-US"/>
           </a:p>
@@ -2409,7 +2409,7 @@
           <a:p>
             <a:fld id="{A7AD6539-BFAA-4A00-BACF-58AADCC3B4BB}" type="datetimeFigureOut">
               <a:rPr lang="en-US" smtClean="0"/>
-              <a:t>10/17/2014</a:t>
+              <a:t>10/18/2014</a:t>
             </a:fld>
             <a:endParaRPr lang="en-US"/>
           </a:p>
@@ -2622,7 +2622,7 @@
           <a:p>
             <a:fld id="{A7AD6539-BFAA-4A00-BACF-58AADCC3B4BB}" type="datetimeFigureOut">
               <a:rPr lang="en-US" smtClean="0"/>
-              <a:t>10/17/2014</a:t>
+              <a:t>10/18/2014</a:t>
             </a:fld>
             <a:endParaRPr lang="en-US"/>
           </a:p>
@@ -3091,6 +3091,13 @@
   <p:clrMapOvr>
     <a:masterClrMapping/>
   </p:clrMapOvr>
+  <p:timing>
+    <p:tnLst>
+      <p:par>
+        <p:cTn id="1" dur="indefinite" restart="never" nodeType="tmRoot"/>
+      </p:par>
+    </p:tnLst>
+  </p:timing>
 </p:sld>
 </file>
 
@@ -4986,11 +4993,7 @@
             </a:r>
             <a:r>
               <a:rPr lang="en-US" dirty="0" smtClean="0"/>
-              <a:t> </a:t>
-            </a:r>
-            <a:r>
-              <a:rPr lang="en-US" dirty="0" smtClean="0"/>
-              <a:t>theorem</a:t>
+              <a:t> theorem</a:t>
             </a:r>
             <a:endParaRPr lang="en-US" dirty="0"/>
           </a:p>
@@ -5059,19 +5062,7 @@
             </a:r>
             <a:r>
               <a:rPr lang="en-US" dirty="0" smtClean="0"/>
-              <a:t> is also </a:t>
-            </a:r>
-            <a:r>
-              <a:rPr lang="en-US" dirty="0" smtClean="0"/>
-              <a:t>called </a:t>
-            </a:r>
-            <a:r>
-              <a:rPr lang="en-US" dirty="0" smtClean="0"/>
-              <a:t>impedance when we’re talking about circuit </a:t>
-            </a:r>
-            <a:r>
-              <a:rPr lang="en-US" dirty="0" smtClean="0"/>
-              <a:t>outputs.</a:t>
+              <a:t> is also called impedance when we’re talking about circuit outputs.</a:t>
             </a:r>
           </a:p>
           <a:p>
@@ -5083,11 +5074,7 @@
           <a:p>
             <a:r>
               <a:rPr lang="en-US" dirty="0" smtClean="0"/>
-              <a:t>For quasi-DC circuits, ideal outputs have 0 impedance &amp; ideal </a:t>
-            </a:r>
-            <a:r>
-              <a:rPr lang="en-US" dirty="0" smtClean="0"/>
-              <a:t>inputs have ∞ impedance.</a:t>
+              <a:t>For quasi-DC circuits, ideal outputs have 0 impedance &amp; ideal inputs have ∞ impedance.</a:t>
             </a:r>
           </a:p>
           <a:p>
@@ -5503,6 +5490,13 @@
   <p:clrMapOvr>
     <a:masterClrMapping/>
   </p:clrMapOvr>
+  <p:timing>
+    <p:tnLst>
+      <p:par>
+        <p:cTn id="1" dur="indefinite" restart="never" nodeType="tmRoot"/>
+      </p:par>
+    </p:tnLst>
+  </p:timing>
 </p:sld>
 </file>
 
@@ -6040,11 +6034,7 @@
           <a:p>
             <a:r>
               <a:rPr lang="en-US" dirty="0" smtClean="0"/>
-              <a:t>Poor </a:t>
-            </a:r>
-            <a:r>
-              <a:rPr lang="en-US" dirty="0" smtClean="0"/>
-              <a:t>durability</a:t>
+              <a:t>Poor durability</a:t>
             </a:r>
           </a:p>
           <a:p>
@@ -6052,7 +6042,6 @@
               <a:rPr lang="en-US" dirty="0" smtClean="0"/>
               <a:t>Output impedance is excessively high, so it is sensitive to loading.</a:t>
             </a:r>
-            <a:endParaRPr lang="en-US" dirty="0" smtClean="0"/>
           </a:p>
           <a:p>
             <a:endParaRPr lang="en-US" dirty="0"/>
@@ -6939,9 +6928,22 @@
           </a:p>
           <a:p>
             <a:r>
-              <a:rPr lang="en-US" dirty="0" smtClean="0"/>
-              <a:t>Class files</a:t>
-            </a:r>
+              <a:rPr lang="en-US" smtClean="0"/>
+              <a:t>Class </a:t>
+            </a:r>
+            <a:r>
+              <a:rPr lang="en-US"/>
+              <a:t>files (https</a:t>
+            </a:r>
+            <a:r>
+              <a:rPr lang="en-US"/>
+              <a:t>://</a:t>
+            </a:r>
+            <a:r>
+              <a:rPr lang="en-US" smtClean="0"/>
+              <a:t>github.com/logos-electromechanical/SensorWorkshop)</a:t>
+            </a:r>
+            <a:endParaRPr lang="en-US" dirty="0" smtClean="0"/>
           </a:p>
           <a:p>
             <a:r>
@@ -6964,6 +6966,13 @@
   <p:clrMapOvr>
     <a:masterClrMapping/>
   </p:clrMapOvr>
+  <p:timing>
+    <p:tnLst>
+      <p:par>
+        <p:cTn id="1" dur="indefinite" restart="never" nodeType="tmRoot"/>
+      </p:par>
+    </p:tnLst>
+  </p:timing>
 </p:sld>
 </file>
 
@@ -9141,6 +9150,13 @@
   <p:clrMapOvr>
     <a:masterClrMapping/>
   </p:clrMapOvr>
+  <p:timing>
+    <p:tnLst>
+      <p:par>
+        <p:cTn id="1" dur="indefinite" restart="never" nodeType="tmRoot"/>
+      </p:par>
+    </p:tnLst>
+  </p:timing>
 </p:sld>
 </file>
 
@@ -12053,6 +12069,13 @@
   <p:clrMapOvr>
     <a:masterClrMapping/>
   </p:clrMapOvr>
+  <p:timing>
+    <p:tnLst>
+      <p:par>
+        <p:cTn id="1" dur="indefinite" restart="never" nodeType="tmRoot"/>
+      </p:par>
+    </p:tnLst>
+  </p:timing>
 </p:sld>
 </file>
 

--- a/presentation/Mobile Sensors Workshop, Part 1.pptx
+++ b/presentation/Mobile Sensors Workshop, Part 1.pptx
@@ -3214,6 +3214,13 @@
   <p:clrMapOvr>
     <a:masterClrMapping/>
   </p:clrMapOvr>
+  <p:timing>
+    <p:tnLst>
+      <p:par>
+        <p:cTn id="1" dur="indefinite" restart="never" nodeType="tmRoot"/>
+      </p:par>
+    </p:tnLst>
+  </p:timing>
 </p:sld>
 </file>
 
@@ -3680,6 +3687,13 @@
   <p:clrMapOvr>
     <a:masterClrMapping/>
   </p:clrMapOvr>
+  <p:timing>
+    <p:tnLst>
+      <p:par>
+        <p:cTn id="1" dur="indefinite" restart="never" nodeType="tmRoot"/>
+      </p:par>
+    </p:tnLst>
+  </p:timing>
 </p:sld>
 </file>
 
@@ -3789,6 +3803,13 @@
   <p:clrMapOvr>
     <a:masterClrMapping/>
   </p:clrMapOvr>
+  <p:timing>
+    <p:tnLst>
+      <p:par>
+        <p:cTn id="1" dur="indefinite" restart="never" nodeType="tmRoot"/>
+      </p:par>
+    </p:tnLst>
+  </p:timing>
 </p:sld>
 </file>
 
@@ -4252,6 +4273,13 @@
   <p:clrMapOvr>
     <a:masterClrMapping/>
   </p:clrMapOvr>
+  <p:timing>
+    <p:tnLst>
+      <p:par>
+        <p:cTn id="1" dur="indefinite" restart="never" nodeType="tmRoot"/>
+      </p:par>
+    </p:tnLst>
+  </p:timing>
 </p:sld>
 </file>
 
@@ -4368,6 +4396,13 @@
   <p:clrMapOvr>
     <a:masterClrMapping/>
   </p:clrMapOvr>
+  <p:timing>
+    <p:tnLst>
+      <p:par>
+        <p:cTn id="1" dur="indefinite" restart="never" nodeType="tmRoot"/>
+      </p:par>
+    </p:tnLst>
+  </p:timing>
 </p:sld>
 </file>
 
@@ -4831,6 +4866,13 @@
   <p:clrMapOvr>
     <a:masterClrMapping/>
   </p:clrMapOvr>
+  <p:timing>
+    <p:tnLst>
+      <p:par>
+        <p:cTn id="1" dur="indefinite" restart="never" nodeType="tmRoot"/>
+      </p:par>
+    </p:tnLst>
+  </p:timing>
 </p:sld>
 </file>
 
@@ -4948,6 +4990,13 @@
   <p:clrMapOvr>
     <a:masterClrMapping/>
   </p:clrMapOvr>
+  <p:timing>
+    <p:tnLst>
+      <p:par>
+        <p:cTn id="1" dur="indefinite" restart="never" nodeType="tmRoot"/>
+      </p:par>
+    </p:tnLst>
+  </p:timing>
 </p:sld>
 </file>
 
@@ -5231,6 +5280,13 @@
   <p:clrMapOvr>
     <a:masterClrMapping/>
   </p:clrMapOvr>
+  <p:timing>
+    <p:tnLst>
+      <p:par>
+        <p:cTn id="1" dur="indefinite" restart="never" nodeType="tmRoot"/>
+      </p:par>
+    </p:tnLst>
+  </p:timing>
 </p:sld>
 </file>
 
@@ -5353,6 +5409,13 @@
   <p:clrMapOvr>
     <a:masterClrMapping/>
   </p:clrMapOvr>
+  <p:timing>
+    <p:tnLst>
+      <p:par>
+        <p:cTn id="1" dur="indefinite" restart="never" nodeType="tmRoot"/>
+      </p:par>
+    </p:tnLst>
+  </p:timing>
 </p:sld>
 </file>
 
@@ -5614,6 +5677,13 @@
   <p:clrMapOvr>
     <a:masterClrMapping/>
   </p:clrMapOvr>
+  <p:timing>
+    <p:tnLst>
+      <p:par>
+        <p:cTn id="1" dur="indefinite" restart="never" nodeType="tmRoot"/>
+      </p:par>
+    </p:tnLst>
+  </p:timing>
 </p:sld>
 </file>
 
@@ -5720,6 +5790,13 @@
   <p:clrMapOvr>
     <a:masterClrMapping/>
   </p:clrMapOvr>
+  <p:timing>
+    <p:tnLst>
+      <p:par>
+        <p:cTn id="1" dur="indefinite" restart="never" nodeType="tmRoot"/>
+      </p:par>
+    </p:tnLst>
+  </p:timing>
 </p:sld>
 </file>
 
@@ -5879,6 +5956,13 @@
   <p:clrMapOvr>
     <a:masterClrMapping/>
   </p:clrMapOvr>
+  <p:timing>
+    <p:tnLst>
+      <p:par>
+        <p:cTn id="1" dur="indefinite" restart="never" nodeType="tmRoot"/>
+      </p:par>
+    </p:tnLst>
+  </p:timing>
 </p:sld>
 </file>
 
@@ -6058,6 +6142,13 @@
   <p:clrMapOvr>
     <a:masterClrMapping/>
   </p:clrMapOvr>
+  <p:timing>
+    <p:tnLst>
+      <p:par>
+        <p:cTn id="1" dur="indefinite" restart="never" nodeType="tmRoot"/>
+      </p:par>
+    </p:tnLst>
+  </p:timing>
 </p:sld>
 </file>
 
@@ -6222,6 +6313,13 @@
   <p:clrMapOvr>
     <a:masterClrMapping/>
   </p:clrMapOvr>
+  <p:timing>
+    <p:tnLst>
+      <p:par>
+        <p:cTn id="1" dur="indefinite" restart="never" nodeType="tmRoot"/>
+      </p:par>
+    </p:tnLst>
+  </p:timing>
 </p:sld>
 </file>
 
@@ -6375,6 +6473,13 @@
   <p:clrMapOvr>
     <a:masterClrMapping/>
   </p:clrMapOvr>
+  <p:timing>
+    <p:tnLst>
+      <p:par>
+        <p:cTn id="1" dur="indefinite" restart="never" nodeType="tmRoot"/>
+      </p:par>
+    </p:tnLst>
+  </p:timing>
 </p:sld>
 </file>
 
@@ -6494,6 +6599,13 @@
   <p:clrMapOvr>
     <a:masterClrMapping/>
   </p:clrMapOvr>
+  <p:timing>
+    <p:tnLst>
+      <p:par>
+        <p:cTn id="1" dur="indefinite" restart="never" nodeType="tmRoot"/>
+      </p:par>
+    </p:tnLst>
+  </p:timing>
 </p:sld>
 </file>
 
@@ -6641,6 +6753,13 @@
   <p:clrMapOvr>
     <a:masterClrMapping/>
   </p:clrMapOvr>
+  <p:timing>
+    <p:tnLst>
+      <p:par>
+        <p:cTn id="1" dur="indefinite" restart="never" nodeType="tmRoot"/>
+      </p:par>
+    </p:tnLst>
+  </p:timing>
 </p:sld>
 </file>
 
@@ -6725,6 +6844,13 @@
   <p:clrMapOvr>
     <a:masterClrMapping/>
   </p:clrMapOvr>
+  <p:timing>
+    <p:tnLst>
+      <p:par>
+        <p:cTn id="1" dur="indefinite" restart="never" nodeType="tmRoot"/>
+      </p:par>
+    </p:tnLst>
+  </p:timing>
 </p:sld>
 </file>
 
@@ -6848,6 +6974,13 @@
   <p:clrMapOvr>
     <a:masterClrMapping/>
   </p:clrMapOvr>
+  <p:timing>
+    <p:tnLst>
+      <p:par>
+        <p:cTn id="1" dur="indefinite" restart="never" nodeType="tmRoot"/>
+      </p:par>
+    </p:tnLst>
+  </p:timing>
 </p:sld>
 </file>
 
@@ -6928,19 +7061,15 @@
           </a:p>
           <a:p>
             <a:r>
-              <a:rPr lang="en-US" smtClean="0"/>
+              <a:rPr lang="en-US" dirty="0" smtClean="0"/>
               <a:t>Class </a:t>
             </a:r>
             <a:r>
-              <a:rPr lang="en-US"/>
-              <a:t>files (https</a:t>
-            </a:r>
-            <a:r>
-              <a:rPr lang="en-US"/>
-              <a:t>://</a:t>
-            </a:r>
-            <a:r>
-              <a:rPr lang="en-US" smtClean="0"/>
+              <a:rPr lang="en-US" dirty="0"/>
+              <a:t>files (https://</a:t>
+            </a:r>
+            <a:r>
+              <a:rPr lang="en-US" dirty="0" smtClean="0"/>
               <a:t>github.com/logos-electromechanical/SensorWorkshop)</a:t>
             </a:r>
             <a:endParaRPr lang="en-US" dirty="0" smtClean="0"/>
@@ -7045,6 +7174,13 @@
   <p:clrMapOvr>
     <a:masterClrMapping/>
   </p:clrMapOvr>
+  <p:timing>
+    <p:tnLst>
+      <p:par>
+        <p:cTn id="1" dur="indefinite" restart="never" nodeType="tmRoot"/>
+      </p:par>
+    </p:tnLst>
+  </p:timing>
 </p:sld>
 </file>
 
@@ -7173,6 +7309,13 @@
   <p:clrMapOvr>
     <a:masterClrMapping/>
   </p:clrMapOvr>
+  <p:timing>
+    <p:tnLst>
+      <p:par>
+        <p:cTn id="1" dur="indefinite" restart="never" nodeType="tmRoot"/>
+      </p:par>
+    </p:tnLst>
+  </p:timing>
 </p:sld>
 </file>
 
@@ -7791,6 +7934,13 @@
   <p:clrMapOvr>
     <a:masterClrMapping/>
   </p:clrMapOvr>
+  <p:timing>
+    <p:tnLst>
+      <p:par>
+        <p:cTn id="1" dur="indefinite" restart="never" nodeType="tmRoot"/>
+      </p:par>
+    </p:tnLst>
+  </p:timing>
 </p:sld>
 </file>
 
@@ -10279,6 +10429,13 @@
   <p:clrMapOvr>
     <a:masterClrMapping/>
   </p:clrMapOvr>
+  <p:timing>
+    <p:tnLst>
+      <p:par>
+        <p:cTn id="1" dur="indefinite" restart="never" nodeType="tmRoot"/>
+      </p:par>
+    </p:tnLst>
+  </p:timing>
 </p:sld>
 </file>
 
@@ -10385,6 +10542,13 @@
   <p:clrMapOvr>
     <a:masterClrMapping/>
   </p:clrMapOvr>
+  <p:timing>
+    <p:tnLst>
+      <p:par>
+        <p:cTn id="1" dur="indefinite" restart="never" nodeType="tmRoot"/>
+      </p:par>
+    </p:tnLst>
+  </p:timing>
 </p:sld>
 </file>
 
@@ -10496,6 +10660,13 @@
   <p:clrMapOvr>
     <a:masterClrMapping/>
   </p:clrMapOvr>
+  <p:timing>
+    <p:tnLst>
+      <p:par>
+        <p:cTn id="1" dur="indefinite" restart="never" nodeType="tmRoot"/>
+      </p:par>
+    </p:tnLst>
+  </p:timing>
 </p:sld>
 </file>
 
@@ -10577,6 +10748,13 @@
   <p:clrMapOvr>
     <a:masterClrMapping/>
   </p:clrMapOvr>
+  <p:timing>
+    <p:tnLst>
+      <p:par>
+        <p:cTn id="1" dur="indefinite" restart="never" nodeType="tmRoot"/>
+      </p:par>
+    </p:tnLst>
+  </p:timing>
 </p:sld>
 </file>
 
@@ -11015,6 +11193,13 @@
   <p:clrMapOvr>
     <a:masterClrMapping/>
   </p:clrMapOvr>
+  <p:timing>
+    <p:tnLst>
+      <p:par>
+        <p:cTn id="1" dur="indefinite" restart="never" nodeType="tmRoot"/>
+      </p:par>
+    </p:tnLst>
+  </p:timing>
 </p:sld>
 </file>
 
@@ -13378,6 +13563,13 @@
   <p:clrMapOvr>
     <a:masterClrMapping/>
   </p:clrMapOvr>
+  <p:timing>
+    <p:tnLst>
+      <p:par>
+        <p:cTn id="1" dur="indefinite" restart="never" nodeType="tmRoot"/>
+      </p:par>
+    </p:tnLst>
+  </p:timing>
 </p:sld>
 </file>
 
@@ -13477,6 +13669,13 @@
   <p:clrMapOvr>
     <a:masterClrMapping/>
   </p:clrMapOvr>
+  <p:timing>
+    <p:tnLst>
+      <p:par>
+        <p:cTn id="1" dur="indefinite" restart="never" nodeType="tmRoot"/>
+      </p:par>
+    </p:tnLst>
+  </p:timing>
 </p:sld>
 </file>
 
@@ -13567,6 +13766,13 @@
   <p:clrMapOvr>
     <a:masterClrMapping/>
   </p:clrMapOvr>
+  <p:timing>
+    <p:tnLst>
+      <p:par>
+        <p:cTn id="1" dur="indefinite" restart="never" nodeType="tmRoot"/>
+      </p:par>
+    </p:tnLst>
+  </p:timing>
 </p:sld>
 </file>
 
@@ -14028,6 +14234,13 @@
   <p:clrMapOvr>
     <a:masterClrMapping/>
   </p:clrMapOvr>
+  <p:timing>
+    <p:tnLst>
+      <p:par>
+        <p:cTn id="1" dur="indefinite" restart="never" nodeType="tmRoot"/>
+      </p:par>
+    </p:tnLst>
+  </p:timing>
 </p:sld>
 </file>
 

--- a/presentation/Mobile Sensors Workshop, Part 1.pptx
+++ b/presentation/Mobile Sensors Workshop, Part 1.pptx
@@ -35,35 +35,37 @@
     <p:sldId id="278" r:id="rId29"/>
     <p:sldId id="297" r:id="rId30"/>
     <p:sldId id="279" r:id="rId31"/>
-    <p:sldId id="280" r:id="rId32"/>
-    <p:sldId id="281" r:id="rId33"/>
-    <p:sldId id="283" r:id="rId34"/>
-    <p:sldId id="284" r:id="rId35"/>
-    <p:sldId id="293" r:id="rId36"/>
-    <p:sldId id="285" r:id="rId37"/>
-    <p:sldId id="286" r:id="rId38"/>
-    <p:sldId id="289" r:id="rId39"/>
-    <p:sldId id="287" r:id="rId40"/>
-    <p:sldId id="288" r:id="rId41"/>
-    <p:sldId id="290" r:id="rId42"/>
-    <p:sldId id="291" r:id="rId43"/>
-    <p:sldId id="292" r:id="rId44"/>
-    <p:sldId id="294" r:id="rId45"/>
-    <p:sldId id="298" r:id="rId46"/>
-    <p:sldId id="299" r:id="rId47"/>
-    <p:sldId id="300" r:id="rId48"/>
-    <p:sldId id="301" r:id="rId49"/>
-    <p:sldId id="302" r:id="rId50"/>
-    <p:sldId id="305" r:id="rId51"/>
-    <p:sldId id="306" r:id="rId52"/>
-    <p:sldId id="307" r:id="rId53"/>
-    <p:sldId id="308" r:id="rId54"/>
-    <p:sldId id="303" r:id="rId55"/>
-    <p:sldId id="304" r:id="rId56"/>
-    <p:sldId id="309" r:id="rId57"/>
-    <p:sldId id="310" r:id="rId58"/>
-    <p:sldId id="316" r:id="rId59"/>
-    <p:sldId id="311" r:id="rId60"/>
+    <p:sldId id="294" r:id="rId32"/>
+    <p:sldId id="317" r:id="rId33"/>
+    <p:sldId id="280" r:id="rId34"/>
+    <p:sldId id="281" r:id="rId35"/>
+    <p:sldId id="283" r:id="rId36"/>
+    <p:sldId id="284" r:id="rId37"/>
+    <p:sldId id="293" r:id="rId38"/>
+    <p:sldId id="285" r:id="rId39"/>
+    <p:sldId id="286" r:id="rId40"/>
+    <p:sldId id="318" r:id="rId41"/>
+    <p:sldId id="298" r:id="rId42"/>
+    <p:sldId id="289" r:id="rId43"/>
+    <p:sldId id="287" r:id="rId44"/>
+    <p:sldId id="288" r:id="rId45"/>
+    <p:sldId id="290" r:id="rId46"/>
+    <p:sldId id="291" r:id="rId47"/>
+    <p:sldId id="292" r:id="rId48"/>
+    <p:sldId id="299" r:id="rId49"/>
+    <p:sldId id="300" r:id="rId50"/>
+    <p:sldId id="301" r:id="rId51"/>
+    <p:sldId id="302" r:id="rId52"/>
+    <p:sldId id="305" r:id="rId53"/>
+    <p:sldId id="306" r:id="rId54"/>
+    <p:sldId id="307" r:id="rId55"/>
+    <p:sldId id="308" r:id="rId56"/>
+    <p:sldId id="303" r:id="rId57"/>
+    <p:sldId id="304" r:id="rId58"/>
+    <p:sldId id="309" r:id="rId59"/>
+    <p:sldId id="310" r:id="rId60"/>
+    <p:sldId id="316" r:id="rId61"/>
+    <p:sldId id="311" r:id="rId62"/>
   </p:sldIdLst>
   <p:sldSz cx="12192000" cy="6858000"/>
   <p:notesSz cx="6858000" cy="9144000"/>
@@ -301,7 +303,7 @@
           <a:p>
             <a:fld id="{A7AD6539-BFAA-4A00-BACF-58AADCC3B4BB}" type="datetimeFigureOut">
               <a:rPr lang="en-US" smtClean="0"/>
-              <a:t>10/18/2014</a:t>
+              <a:t>2/13/2015</a:t>
             </a:fld>
             <a:endParaRPr lang="en-US"/>
           </a:p>
@@ -471,7 +473,7 @@
           <a:p>
             <a:fld id="{A7AD6539-BFAA-4A00-BACF-58AADCC3B4BB}" type="datetimeFigureOut">
               <a:rPr lang="en-US" smtClean="0"/>
-              <a:t>10/18/2014</a:t>
+              <a:t>2/13/2015</a:t>
             </a:fld>
             <a:endParaRPr lang="en-US"/>
           </a:p>
@@ -651,7 +653,7 @@
           <a:p>
             <a:fld id="{A7AD6539-BFAA-4A00-BACF-58AADCC3B4BB}" type="datetimeFigureOut">
               <a:rPr lang="en-US" smtClean="0"/>
-              <a:t>10/18/2014</a:t>
+              <a:t>2/13/2015</a:t>
             </a:fld>
             <a:endParaRPr lang="en-US"/>
           </a:p>
@@ -821,7 +823,7 @@
           <a:p>
             <a:fld id="{A7AD6539-BFAA-4A00-BACF-58AADCC3B4BB}" type="datetimeFigureOut">
               <a:rPr lang="en-US" smtClean="0"/>
-              <a:t>10/18/2014</a:t>
+              <a:t>2/13/2015</a:t>
             </a:fld>
             <a:endParaRPr lang="en-US"/>
           </a:p>
@@ -1067,7 +1069,7 @@
           <a:p>
             <a:fld id="{A7AD6539-BFAA-4A00-BACF-58AADCC3B4BB}" type="datetimeFigureOut">
               <a:rPr lang="en-US" smtClean="0"/>
-              <a:t>10/18/2014</a:t>
+              <a:t>2/13/2015</a:t>
             </a:fld>
             <a:endParaRPr lang="en-US"/>
           </a:p>
@@ -1299,7 +1301,7 @@
           <a:p>
             <a:fld id="{A7AD6539-BFAA-4A00-BACF-58AADCC3B4BB}" type="datetimeFigureOut">
               <a:rPr lang="en-US" smtClean="0"/>
-              <a:t>10/18/2014</a:t>
+              <a:t>2/13/2015</a:t>
             </a:fld>
             <a:endParaRPr lang="en-US"/>
           </a:p>
@@ -1666,7 +1668,7 @@
           <a:p>
             <a:fld id="{A7AD6539-BFAA-4A00-BACF-58AADCC3B4BB}" type="datetimeFigureOut">
               <a:rPr lang="en-US" smtClean="0"/>
-              <a:t>10/18/2014</a:t>
+              <a:t>2/13/2015</a:t>
             </a:fld>
             <a:endParaRPr lang="en-US"/>
           </a:p>
@@ -1784,7 +1786,7 @@
           <a:p>
             <a:fld id="{A7AD6539-BFAA-4A00-BACF-58AADCC3B4BB}" type="datetimeFigureOut">
               <a:rPr lang="en-US" smtClean="0"/>
-              <a:t>10/18/2014</a:t>
+              <a:t>2/13/2015</a:t>
             </a:fld>
             <a:endParaRPr lang="en-US"/>
           </a:p>
@@ -1879,7 +1881,7 @@
           <a:p>
             <a:fld id="{A7AD6539-BFAA-4A00-BACF-58AADCC3B4BB}" type="datetimeFigureOut">
               <a:rPr lang="en-US" smtClean="0"/>
-              <a:t>10/18/2014</a:t>
+              <a:t>2/13/2015</a:t>
             </a:fld>
             <a:endParaRPr lang="en-US"/>
           </a:p>
@@ -2156,7 +2158,7 @@
           <a:p>
             <a:fld id="{A7AD6539-BFAA-4A00-BACF-58AADCC3B4BB}" type="datetimeFigureOut">
               <a:rPr lang="en-US" smtClean="0"/>
-              <a:t>10/18/2014</a:t>
+              <a:t>2/13/2015</a:t>
             </a:fld>
             <a:endParaRPr lang="en-US"/>
           </a:p>
@@ -2409,7 +2411,7 @@
           <a:p>
             <a:fld id="{A7AD6539-BFAA-4A00-BACF-58AADCC3B4BB}" type="datetimeFigureOut">
               <a:rPr lang="en-US" smtClean="0"/>
-              <a:t>10/18/2014</a:t>
+              <a:t>2/13/2015</a:t>
             </a:fld>
             <a:endParaRPr lang="en-US"/>
           </a:p>
@@ -2622,7 +2624,7 @@
           <a:p>
             <a:fld id="{A7AD6539-BFAA-4A00-BACF-58AADCC3B4BB}" type="datetimeFigureOut">
               <a:rPr lang="en-US" smtClean="0"/>
-              <a:t>10/18/2014</a:t>
+              <a:t>2/13/2015</a:t>
             </a:fld>
             <a:endParaRPr lang="en-US"/>
           </a:p>
@@ -3073,8 +3075,9 @@
           <a:p>
             <a:r>
               <a:rPr lang="en-US" dirty="0" smtClean="0"/>
-              <a:t>17 October 2014</a:t>
-            </a:r>
+              <a:t>14 November 2015</a:t>
+            </a:r>
+            <a:endParaRPr lang="en-US" dirty="0" smtClean="0"/>
           </a:p>
           <a:p>
             <a:endParaRPr lang="en-US" dirty="0"/>
@@ -3165,8 +3168,13 @@
             <a:pPr lvl="1"/>
             <a:r>
               <a:rPr lang="en-US" dirty="0" smtClean="0"/>
-              <a:t>Wrong signal type</a:t>
-            </a:r>
+              <a:t>Wrong signal </a:t>
+            </a:r>
+            <a:r>
+              <a:rPr lang="en-US" dirty="0" smtClean="0"/>
+              <a:t>type (i.e. current or frequency rather than voltage)</a:t>
+            </a:r>
+            <a:endParaRPr lang="en-US" dirty="0" smtClean="0"/>
           </a:p>
           <a:p>
             <a:pPr lvl="1"/>
@@ -5097,7 +5105,19 @@
           <a:p>
             <a:r>
               <a:rPr lang="en-US" dirty="0" smtClean="0"/>
-              <a:t>The equivalent resistance of a battery is why it doesn’t turn into a grenade when you short the terminals. </a:t>
+              <a:t>The equivalent resistance of a battery is why it doesn’t </a:t>
+            </a:r>
+            <a:r>
+              <a:rPr lang="en-US" dirty="0" smtClean="0"/>
+              <a:t>blow your hand off</a:t>
+            </a:r>
+            <a:r>
+              <a:rPr lang="en-US" dirty="0" smtClean="0"/>
+              <a:t> </a:t>
+            </a:r>
+            <a:r>
+              <a:rPr lang="en-US" dirty="0" smtClean="0"/>
+              <a:t>when you short the terminals. </a:t>
             </a:r>
           </a:p>
           <a:p>
@@ -7072,7 +7092,6 @@
               <a:rPr lang="en-US" dirty="0" smtClean="0"/>
               <a:t>github.com/logos-electromechanical/SensorWorkshop)</a:t>
             </a:r>
-            <a:endParaRPr lang="en-US" dirty="0" smtClean="0"/>
           </a:p>
           <a:p>
             <a:r>
@@ -7185,6 +7204,239 @@
 </file>
 
 <file path=ppt/slides/slide31.xml><?xml version="1.0" encoding="utf-8"?>
+<p:sld xmlns:a="http://schemas.openxmlformats.org/drawingml/2006/main" xmlns:r="http://schemas.openxmlformats.org/officeDocument/2006/relationships" xmlns:p="http://schemas.openxmlformats.org/presentationml/2006/main">
+  <p:cSld>
+    <p:spTree>
+      <p:nvGrpSpPr>
+        <p:cNvPr id="1" name=""/>
+        <p:cNvGrpSpPr/>
+        <p:nvPr/>
+      </p:nvGrpSpPr>
+      <p:grpSpPr>
+        <a:xfrm>
+          <a:off x="0" y="0"/>
+          <a:ext cx="0" cy="0"/>
+          <a:chOff x="0" y="0"/>
+          <a:chExt cx="0" cy="0"/>
+        </a:xfrm>
+      </p:grpSpPr>
+      <p:pic>
+        <p:nvPicPr>
+          <p:cNvPr id="3" name="Picture 2"/>
+          <p:cNvPicPr>
+            <a:picLocks noChangeAspect="1"/>
+          </p:cNvPicPr>
+          <p:nvPr/>
+        </p:nvPicPr>
+        <p:blipFill rotWithShape="1">
+          <a:blip r:embed="rId2" cstate="print">
+            <a:extLst>
+              <a:ext uri="{28A0092B-C50C-407E-A947-70E740481C1C}">
+                <a14:useLocalDpi xmlns:a14="http://schemas.microsoft.com/office/drawing/2010/main" val="0"/>
+              </a:ext>
+            </a:extLst>
+          </a:blip>
+          <a:srcRect t="61754"/>
+          <a:stretch/>
+        </p:blipFill>
+        <p:spPr>
+          <a:xfrm>
+            <a:off x="326596" y="2075972"/>
+            <a:ext cx="9000528" cy="4449811"/>
+          </a:xfrm>
+          <a:prstGeom prst="rect">
+            <a:avLst/>
+          </a:prstGeom>
+        </p:spPr>
+      </p:pic>
+      <p:sp>
+        <p:nvSpPr>
+          <p:cNvPr id="2" name="Title 1"/>
+          <p:cNvSpPr>
+            <a:spLocks noGrp="1"/>
+          </p:cNvSpPr>
+          <p:nvPr>
+            <p:ph type="title"/>
+          </p:nvPr>
+        </p:nvSpPr>
+        <p:spPr/>
+        <p:txBody>
+          <a:bodyPr/>
+          <a:lstStyle/>
+          <a:p>
+            <a:r>
+              <a:rPr lang="en-US" dirty="0" smtClean="0"/>
+              <a:t>Wiring up the bend sensor…	</a:t>
+            </a:r>
+            <a:endParaRPr lang="en-US" dirty="0"/>
+          </a:p>
+        </p:txBody>
+      </p:sp>
+      <p:pic>
+        <p:nvPicPr>
+          <p:cNvPr id="4" name="Content Placeholder 3"/>
+          <p:cNvPicPr>
+            <a:picLocks noGrp="1" noChangeAspect="1"/>
+          </p:cNvPicPr>
+          <p:nvPr>
+            <p:ph idx="1"/>
+          </p:nvPr>
+        </p:nvPicPr>
+        <p:blipFill>
+          <a:blip r:embed="rId3">
+            <a:extLst>
+              <a:ext uri="{28A0092B-C50C-407E-A947-70E740481C1C}">
+                <a14:useLocalDpi xmlns:a14="http://schemas.microsoft.com/office/drawing/2010/main" val="0"/>
+              </a:ext>
+            </a:extLst>
+          </a:blip>
+          <a:stretch>
+            <a:fillRect/>
+          </a:stretch>
+        </p:blipFill>
+        <p:spPr>
+          <a:xfrm>
+            <a:off x="7840662" y="750409"/>
+            <a:ext cx="4351338" cy="4351338"/>
+          </a:xfrm>
+        </p:spPr>
+      </p:pic>
+    </p:spTree>
+    <p:extLst>
+      <p:ext uri="{BB962C8B-B14F-4D97-AF65-F5344CB8AC3E}">
+        <p14:creationId xmlns:p14="http://schemas.microsoft.com/office/powerpoint/2010/main" val="119297158"/>
+      </p:ext>
+    </p:extLst>
+  </p:cSld>
+  <p:clrMapOvr>
+    <a:masterClrMapping/>
+  </p:clrMapOvr>
+  <p:timing>
+    <p:tnLst>
+      <p:par>
+        <p:cTn id="1" dur="indefinite" restart="never" nodeType="tmRoot"/>
+      </p:par>
+    </p:tnLst>
+  </p:timing>
+</p:sld>
+</file>
+
+<file path=ppt/slides/slide32.xml><?xml version="1.0" encoding="utf-8"?>
+<p:sld xmlns:a="http://schemas.openxmlformats.org/drawingml/2006/main" xmlns:r="http://schemas.openxmlformats.org/officeDocument/2006/relationships" xmlns:p="http://schemas.openxmlformats.org/presentationml/2006/main">
+  <p:cSld>
+    <p:spTree>
+      <p:nvGrpSpPr>
+        <p:cNvPr id="1" name=""/>
+        <p:cNvGrpSpPr/>
+        <p:nvPr/>
+      </p:nvGrpSpPr>
+      <p:grpSpPr>
+        <a:xfrm>
+          <a:off x="0" y="0"/>
+          <a:ext cx="0" cy="0"/>
+          <a:chOff x="0" y="0"/>
+          <a:chExt cx="0" cy="0"/>
+        </a:xfrm>
+      </p:grpSpPr>
+      <p:sp>
+        <p:nvSpPr>
+          <p:cNvPr id="2" name="Title 1"/>
+          <p:cNvSpPr>
+            <a:spLocks noGrp="1"/>
+          </p:cNvSpPr>
+          <p:nvPr>
+            <p:ph type="title"/>
+          </p:nvPr>
+        </p:nvSpPr>
+        <p:spPr/>
+        <p:txBody>
+          <a:bodyPr/>
+          <a:lstStyle/>
+          <a:p>
+            <a:r>
+              <a:rPr lang="en-US" dirty="0" smtClean="0"/>
+              <a:t>Well, that’s not good…	</a:t>
+            </a:r>
+            <a:endParaRPr lang="en-US" dirty="0"/>
+          </a:p>
+        </p:txBody>
+      </p:sp>
+      <p:sp>
+        <p:nvSpPr>
+          <p:cNvPr id="3" name="Content Placeholder 2"/>
+          <p:cNvSpPr>
+            <a:spLocks noGrp="1"/>
+          </p:cNvSpPr>
+          <p:nvPr>
+            <p:ph idx="1"/>
+          </p:nvPr>
+        </p:nvSpPr>
+        <p:spPr/>
+        <p:txBody>
+          <a:bodyPr/>
+          <a:lstStyle/>
+          <a:p>
+            <a:r>
+              <a:rPr lang="en-US" dirty="0" smtClean="0"/>
+              <a:t>Limited output range</a:t>
+            </a:r>
+          </a:p>
+          <a:p>
+            <a:r>
+              <a:rPr lang="en-US" dirty="0" smtClean="0"/>
+              <a:t>Poor resolution</a:t>
+            </a:r>
+          </a:p>
+          <a:p>
+            <a:r>
+              <a:rPr lang="en-US" dirty="0" smtClean="0"/>
+              <a:t>High output impedance</a:t>
+            </a:r>
+          </a:p>
+          <a:p>
+            <a:endParaRPr lang="en-US" dirty="0"/>
+          </a:p>
+          <a:p>
+            <a:pPr marL="0" indent="0">
+              <a:buNone/>
+            </a:pPr>
+            <a:r>
+              <a:rPr lang="en-US" sz="4000" dirty="0" smtClean="0"/>
+              <a:t>We have a solution…</a:t>
+            </a:r>
+          </a:p>
+          <a:p>
+            <a:endParaRPr lang="en-US" dirty="0" smtClean="0"/>
+          </a:p>
+          <a:p>
+            <a:endParaRPr lang="en-US" dirty="0" smtClean="0"/>
+          </a:p>
+          <a:p>
+            <a:endParaRPr lang="en-US" dirty="0"/>
+          </a:p>
+        </p:txBody>
+      </p:sp>
+    </p:spTree>
+    <p:extLst>
+      <p:ext uri="{BB962C8B-B14F-4D97-AF65-F5344CB8AC3E}">
+        <p14:creationId xmlns:p14="http://schemas.microsoft.com/office/powerpoint/2010/main" val="4132564250"/>
+      </p:ext>
+    </p:extLst>
+  </p:cSld>
+  <p:clrMapOvr>
+    <a:masterClrMapping/>
+  </p:clrMapOvr>
+  <p:timing>
+    <p:tnLst>
+      <p:par>
+        <p:cTn id="1" dur="indefinite" restart="never" nodeType="tmRoot"/>
+      </p:par>
+    </p:tnLst>
+  </p:timing>
+</p:sld>
+</file>
+
+<file path=ppt/slides/slide33.xml><?xml version="1.0" encoding="utf-8"?>
 <p:sld xmlns:a="http://schemas.openxmlformats.org/drawingml/2006/main" xmlns:r="http://schemas.openxmlformats.org/officeDocument/2006/relationships" xmlns:p="http://schemas.openxmlformats.org/presentationml/2006/main">
   <p:cSld>
     <p:spTree>
@@ -7319,7 +7571,7 @@
 </p:sld>
 </file>
 
-<file path=ppt/slides/slide32.xml><?xml version="1.0" encoding="utf-8"?>
+<file path=ppt/slides/slide34.xml><?xml version="1.0" encoding="utf-8"?>
 <p:sld xmlns:a="http://schemas.openxmlformats.org/drawingml/2006/main" xmlns:r="http://schemas.openxmlformats.org/officeDocument/2006/relationships" xmlns:p="http://schemas.openxmlformats.org/presentationml/2006/main">
   <p:cSld>
     <p:spTree>
@@ -7416,7 +7668,7 @@
 </p:sld>
 </file>
 
-<file path=ppt/slides/slide33.xml><?xml version="1.0" encoding="utf-8"?>
+<file path=ppt/slides/slide35.xml><?xml version="1.0" encoding="utf-8"?>
 <p:sld xmlns:a="http://schemas.openxmlformats.org/drawingml/2006/main" xmlns:r="http://schemas.openxmlformats.org/officeDocument/2006/relationships" xmlns:p="http://schemas.openxmlformats.org/presentationml/2006/main">
   <p:cSld>
     <p:spTree>
@@ -7478,7 +7730,15 @@
           <a:p>
             <a:r>
               <a:rPr lang="en-US" dirty="0" smtClean="0"/>
-              <a:t>We’re using the MCP6004, which has four op-amps in a single 14 pin DIP package.</a:t>
+              <a:t>We’re using the </a:t>
+            </a:r>
+            <a:r>
+              <a:rPr lang="en-US" dirty="0" smtClean="0"/>
+              <a:t>NTE987, </a:t>
+            </a:r>
+            <a:r>
+              <a:rPr lang="en-US" dirty="0" smtClean="0"/>
+              <a:t>which has four op-amps in a single 14 pin DIP package.</a:t>
             </a:r>
           </a:p>
           <a:p>
@@ -7498,13 +7758,22 @@
           <a:p>
             <a:r>
               <a:rPr lang="en-US" dirty="0" smtClean="0"/>
-              <a:t>It’s a common, cheap part with a power supply range from 1.8V to 6.0V</a:t>
-            </a:r>
-          </a:p>
-          <a:p>
-            <a:r>
-              <a:rPr lang="en-US" dirty="0" smtClean="0"/>
-              <a:t>This is a rail-to-rail part, which means that the input and output can go all the way to the voltage rails.</a:t>
+              <a:t>It’s a common, cheap part with a power supply range </a:t>
+            </a:r>
+            <a:r>
+              <a:rPr lang="en-US" dirty="0" smtClean="0"/>
+              <a:t>up to 32V</a:t>
+            </a:r>
+            <a:endParaRPr lang="en-US" dirty="0" smtClean="0"/>
+          </a:p>
+          <a:p>
+            <a:r>
+              <a:rPr lang="en-US" dirty="0" smtClean="0"/>
+              <a:t>This is </a:t>
+            </a:r>
+            <a:r>
+              <a:rPr lang="en-US" dirty="0" smtClean="0"/>
+              <a:t>not quite a rail to rail part, but the output can go down to not more than 20 mV.</a:t>
             </a:r>
             <a:endParaRPr lang="en-US" dirty="0"/>
           </a:p>
@@ -7560,7 +7829,7 @@
 </p:sld>
 </file>
 
-<file path=ppt/slides/slide34.xml><?xml version="1.0" encoding="utf-8"?>
+<file path=ppt/slides/slide36.xml><?xml version="1.0" encoding="utf-8"?>
 <p:sld xmlns:a="http://schemas.openxmlformats.org/drawingml/2006/main" xmlns:r="http://schemas.openxmlformats.org/officeDocument/2006/relationships" xmlns:p="http://schemas.openxmlformats.org/presentationml/2006/main">
   <p:cSld>
     <p:spTree>
@@ -7613,60 +7882,81 @@
         <p:spPr/>
         <p:txBody>
           <a:bodyPr>
-            <a:normAutofit lnSpcReduction="10000"/>
+            <a:normAutofit/>
           </a:bodyPr>
           <a:lstStyle/>
           <a:p>
             <a:r>
               <a:rPr lang="en-US" dirty="0" smtClean="0"/>
-              <a:t>Common mode voltage range includes rails + 300 mV</a:t>
+              <a:t>Common mode voltage range includes rails </a:t>
+            </a:r>
+            <a:r>
+              <a:rPr lang="en-US" dirty="0" smtClean="0"/>
+              <a:t>and  -300 </a:t>
+            </a:r>
+            <a:r>
+              <a:rPr lang="en-US" dirty="0" smtClean="0"/>
+              <a:t>mV</a:t>
             </a:r>
             <a:endParaRPr lang="en-US" baseline="-25000" dirty="0" smtClean="0"/>
           </a:p>
           <a:p>
             <a:r>
               <a:rPr lang="en-US" dirty="0" smtClean="0"/>
-              <a:t>Input offset voltage 4.5</a:t>
-            </a:r>
-          </a:p>
-          <a:p>
-            <a:r>
-              <a:rPr lang="en-US" dirty="0" smtClean="0"/>
-              <a:t> mV</a:t>
-            </a:r>
-          </a:p>
-          <a:p>
-            <a:r>
-              <a:rPr lang="en-US" dirty="0" smtClean="0"/>
-              <a:t>Input offset current 1 </a:t>
+              <a:t>Input offset voltage </a:t>
+            </a:r>
+            <a:r>
+              <a:rPr lang="en-US" dirty="0" smtClean="0"/>
+              <a:t>up to</a:t>
+            </a:r>
+            <a:r>
+              <a:rPr lang="en-US" dirty="0" smtClean="0"/>
+              <a:t> 9 mV</a:t>
+            </a:r>
+            <a:endParaRPr lang="en-US" dirty="0" smtClean="0"/>
+          </a:p>
+          <a:p>
+            <a:r>
+              <a:rPr lang="en-US" dirty="0" smtClean="0"/>
+              <a:t>Input offset current </a:t>
+            </a:r>
+            <a:r>
+              <a:rPr lang="en-US" dirty="0" smtClean="0"/>
+              <a:t>150 </a:t>
+            </a:r>
+            <a:r>
+              <a:rPr lang="en-US" dirty="0" err="1"/>
+              <a:t>n</a:t>
             </a:r>
             <a:r>
               <a:rPr lang="en-US" dirty="0" err="1" smtClean="0"/>
-              <a:t>pA</a:t>
+              <a:t>A</a:t>
             </a:r>
             <a:endParaRPr lang="en-US" dirty="0" smtClean="0"/>
           </a:p>
           <a:p>
             <a:r>
               <a:rPr lang="en-US" dirty="0" smtClean="0"/>
-              <a:t>Input bias current 19 </a:t>
+              <a:t>Input bias current </a:t>
+            </a:r>
+            <a:r>
+              <a:rPr lang="en-US" dirty="0" smtClean="0"/>
+              <a:t>-500 </a:t>
             </a:r>
             <a:r>
               <a:rPr lang="en-US" dirty="0" err="1" smtClean="0"/>
-              <a:t>pA</a:t>
+              <a:t>nA</a:t>
             </a:r>
             <a:endParaRPr lang="en-US" dirty="0" smtClean="0"/>
           </a:p>
           <a:p>
             <a:r>
               <a:rPr lang="en-US" dirty="0" smtClean="0"/>
-              <a:t>Open loop gain 112 dB</a:t>
-            </a:r>
-          </a:p>
-          <a:p>
-            <a:r>
-              <a:rPr lang="en-US" dirty="0" smtClean="0"/>
-              <a:t>CMRR 76 dB (</a:t>
+              <a:t>CMRR 70 dB </a:t>
+            </a:r>
+            <a:r>
+              <a:rPr lang="en-US" dirty="0" smtClean="0"/>
+              <a:t>(</a:t>
             </a:r>
             <a:r>
               <a:rPr lang="en-US" dirty="0" err="1" smtClean="0"/>
@@ -7680,7 +7970,15 @@
           <a:p>
             <a:r>
               <a:rPr lang="en-US" dirty="0" smtClean="0"/>
-              <a:t>PSRR 86 dB (</a:t>
+              <a:t>PSRR </a:t>
+            </a:r>
+            <a:r>
+              <a:rPr lang="en-US" dirty="0" smtClean="0"/>
+              <a:t>100 dB </a:t>
+            </a:r>
+            <a:r>
+              <a:rPr lang="en-US" dirty="0" smtClean="0"/>
+              <a:t>(</a:t>
             </a:r>
             <a:r>
               <a:rPr lang="en-US" dirty="0" err="1" smtClean="0"/>
@@ -7691,150 +7989,38 @@
               <a:t>)</a:t>
             </a:r>
           </a:p>
-        </p:txBody>
-      </p:sp>
-      <mc:AlternateContent xmlns:mc="http://schemas.openxmlformats.org/markup-compatibility/2006" xmlns:a14="http://schemas.microsoft.com/office/drawing/2010/main">
-        <mc:Choice Requires="a14">
-          <p:sp>
-            <p:nvSpPr>
-              <p:cNvPr id="4" name="Content Placeholder 3"/>
-              <p:cNvSpPr>
-                <a:spLocks noGrp="1"/>
-              </p:cNvSpPr>
-              <p:nvPr>
-                <p:ph sz="half" idx="2"/>
-              </p:nvPr>
-            </p:nvSpPr>
-            <p:spPr/>
-            <p:txBody>
-              <a:bodyPr>
-                <a:normAutofit lnSpcReduction="10000"/>
-              </a:bodyPr>
-              <a:lstStyle/>
-              <a:p>
-                <a:r>
-                  <a:rPr lang="en-US" dirty="0" smtClean="0"/>
-                  <a:t>Max </a:t>
-                </a:r>
-                <a:r>
-                  <a:rPr lang="en-US" dirty="0" err="1" smtClean="0"/>
-                  <a:t>V</a:t>
-                </a:r>
-                <a:r>
-                  <a:rPr lang="en-US" baseline="-25000" dirty="0" err="1" smtClean="0"/>
-                  <a:t>out</a:t>
-                </a:r>
-                <a:r>
-                  <a:rPr lang="en-US" dirty="0" smtClean="0"/>
-                  <a:t> = </a:t>
-                </a:r>
-                <a:r>
-                  <a:rPr lang="en-US" dirty="0" err="1" smtClean="0"/>
-                  <a:t>V</a:t>
-                </a:r>
-                <a:r>
-                  <a:rPr lang="en-US" baseline="-25000" dirty="0" err="1" smtClean="0"/>
-                  <a:t>cc</a:t>
-                </a:r>
-                <a:r>
-                  <a:rPr lang="en-US" dirty="0" smtClean="0"/>
-                  <a:t> – 25 mV</a:t>
-                </a:r>
-              </a:p>
-              <a:p>
-                <a:r>
-                  <a:rPr lang="en-US" dirty="0" smtClean="0"/>
-                  <a:t>Output current 23 mA</a:t>
-                </a:r>
-              </a:p>
-              <a:p>
-                <a:r>
-                  <a:rPr lang="en-US" dirty="0" smtClean="0"/>
-                  <a:t>Gain-Bandwidth Product 1.0 MHz</a:t>
-                </a:r>
-              </a:p>
-              <a:p>
-                <a:r>
-                  <a:rPr lang="en-US" dirty="0" smtClean="0"/>
-                  <a:t>Slew Rate 0.6 </a:t>
-                </a:r>
-                <a14:m>
-                  <m:oMath xmlns:m="http://schemas.openxmlformats.org/officeDocument/2006/math">
-                    <m:f>
-                      <m:fPr>
-                        <m:type m:val="skw"/>
-                        <m:ctrlPr>
-                          <a:rPr lang="en-US" i="1" smtClean="0">
-                            <a:latin typeface="Cambria Math" panose="02040503050406030204" pitchFamily="18" charset="0"/>
-                          </a:rPr>
-                        </m:ctrlPr>
-                      </m:fPr>
-                      <m:num>
-                        <m:r>
-                          <a:rPr lang="en-US" b="0" i="1" smtClean="0">
-                            <a:latin typeface="Cambria Math" panose="02040503050406030204" pitchFamily="18" charset="0"/>
-                          </a:rPr>
-                          <m:t>𝑉</m:t>
-                        </m:r>
-                      </m:num>
-                      <m:den>
-                        <m:r>
-                          <a:rPr lang="en-US" i="1" smtClean="0">
-                            <a:latin typeface="Cambria Math" panose="02040503050406030204" pitchFamily="18" charset="0"/>
-                            <a:ea typeface="Cambria Math" panose="02040503050406030204" pitchFamily="18" charset="0"/>
-                          </a:rPr>
-                          <m:t>𝜇</m:t>
-                        </m:r>
-                        <m:r>
-                          <a:rPr lang="en-US" b="0" i="1" smtClean="0">
-                            <a:latin typeface="Cambria Math" panose="02040503050406030204" pitchFamily="18" charset="0"/>
-                            <a:ea typeface="Cambria Math" panose="02040503050406030204" pitchFamily="18" charset="0"/>
-                          </a:rPr>
-                          <m:t>𝑠</m:t>
-                        </m:r>
-                      </m:den>
-                    </m:f>
-                  </m:oMath>
-                </a14:m>
-                <a:endParaRPr lang="en-US" dirty="0"/>
-              </a:p>
-            </p:txBody>
-          </p:sp>
-        </mc:Choice>
-        <mc:Fallback xmlns="">
-          <p:sp>
-            <p:nvSpPr>
-              <p:cNvPr id="4" name="Content Placeholder 3"/>
-              <p:cNvSpPr>
-                <a:spLocks noGrp="1" noRot="1" noChangeAspect="1" noMove="1" noResize="1" noEditPoints="1" noAdjustHandles="1" noChangeArrowheads="1" noChangeShapeType="1" noTextEdit="1"/>
-              </p:cNvSpPr>
-              <p:nvPr>
-                <p:ph sz="half" idx="2"/>
-              </p:nvPr>
-            </p:nvSpPr>
-            <p:spPr>
-              <a:blipFill rotWithShape="0">
-                <a:blip r:embed="rId2"/>
-                <a:stretch>
-                  <a:fillRect l="-2118" t="-3081"/>
-                </a:stretch>
-              </a:blipFill>
-            </p:spPr>
-            <p:txBody>
-              <a:bodyPr/>
-              <a:lstStyle/>
-              <a:p>
-                <a:r>
-                  <a:rPr lang="en-US">
-                    <a:noFill/>
-                  </a:rPr>
-                  <a:t> </a:t>
-                </a:r>
-              </a:p>
-            </p:txBody>
-          </p:sp>
-        </mc:Fallback>
-      </mc:AlternateContent>
+          <a:p>
+            <a:r>
+              <a:rPr lang="en-US" dirty="0"/>
+              <a:t>Output current 40 mA</a:t>
+            </a:r>
+          </a:p>
+          <a:p>
+            <a:endParaRPr lang="en-US" dirty="0" smtClean="0"/>
+          </a:p>
+        </p:txBody>
+      </p:sp>
+      <p:sp>
+        <p:nvSpPr>
+          <p:cNvPr id="4" name="Content Placeholder 3"/>
+          <p:cNvSpPr>
+            <a:spLocks noGrp="1"/>
+          </p:cNvSpPr>
+          <p:nvPr>
+            <p:ph sz="half" idx="2"/>
+          </p:nvPr>
+        </p:nvSpPr>
+        <p:spPr/>
+        <p:txBody>
+          <a:bodyPr>
+            <a:normAutofit/>
+          </a:bodyPr>
+          <a:lstStyle/>
+          <a:p>
+            <a:endParaRPr lang="en-US" dirty="0" smtClean="0"/>
+          </a:p>
+        </p:txBody>
+      </p:sp>
     </p:spTree>
     <p:extLst>
       <p:ext uri="{BB962C8B-B14F-4D97-AF65-F5344CB8AC3E}">
@@ -7855,7 +8041,7 @@
 </p:sld>
 </file>
 
-<file path=ppt/slides/slide35.xml><?xml version="1.0" encoding="utf-8"?>
+<file path=ppt/slides/slide37.xml><?xml version="1.0" encoding="utf-8"?>
 <p:sld xmlns:a="http://schemas.openxmlformats.org/drawingml/2006/main" xmlns:r="http://schemas.openxmlformats.org/officeDocument/2006/relationships" xmlns:p="http://schemas.openxmlformats.org/presentationml/2006/main">
   <p:cSld>
     <p:spTree>
@@ -7944,7 +8130,7 @@
 </p:sld>
 </file>
 
-<file path=ppt/slides/slide36.xml><?xml version="1.0" encoding="utf-8"?>
+<file path=ppt/slides/slide38.xml><?xml version="1.0" encoding="utf-8"?>
 <p:sld xmlns:a="http://schemas.openxmlformats.org/drawingml/2006/main" xmlns:r="http://schemas.openxmlformats.org/officeDocument/2006/relationships" xmlns:p="http://schemas.openxmlformats.org/presentationml/2006/main">
   <p:cSld>
     <p:spTree>
@@ -8233,7 +8419,7 @@
 </p:sld>
 </file>
 
-<file path=ppt/slides/slide37.xml><?xml version="1.0" encoding="utf-8"?>
+<file path=ppt/slides/slide39.xml><?xml version="1.0" encoding="utf-8"?>
 <p:sld xmlns:a="http://schemas.openxmlformats.org/drawingml/2006/main" xmlns:r="http://schemas.openxmlformats.org/officeDocument/2006/relationships" xmlns:p="http://schemas.openxmlformats.org/presentationml/2006/main">
   <p:cSld>
     <p:spTree>
@@ -8689,7 +8875,318 @@
 </p:sld>
 </file>
 
-<file path=ppt/slides/slide38.xml><?xml version="1.0" encoding="utf-8"?>
+<file path=ppt/slides/slide4.xml><?xml version="1.0" encoding="utf-8"?>
+<p:sld xmlns:a="http://schemas.openxmlformats.org/drawingml/2006/main" xmlns:r="http://schemas.openxmlformats.org/officeDocument/2006/relationships" xmlns:p="http://schemas.openxmlformats.org/presentationml/2006/main">
+  <p:cSld>
+    <p:spTree>
+      <p:nvGrpSpPr>
+        <p:cNvPr id="1" name=""/>
+        <p:cNvGrpSpPr/>
+        <p:nvPr/>
+      </p:nvGrpSpPr>
+      <p:grpSpPr>
+        <a:xfrm>
+          <a:off x="0" y="0"/>
+          <a:ext cx="0" cy="0"/>
+          <a:chOff x="0" y="0"/>
+          <a:chExt cx="0" cy="0"/>
+        </a:xfrm>
+      </p:grpSpPr>
+      <p:sp>
+        <p:nvSpPr>
+          <p:cNvPr id="2" name="Title 1"/>
+          <p:cNvSpPr>
+            <a:spLocks noGrp="1"/>
+          </p:cNvSpPr>
+          <p:nvPr>
+            <p:ph type="title"/>
+          </p:nvPr>
+        </p:nvSpPr>
+        <p:spPr/>
+        <p:txBody>
+          <a:bodyPr/>
+          <a:lstStyle/>
+          <a:p>
+            <a:r>
+              <a:rPr lang="en-US" dirty="0" smtClean="0"/>
+              <a:t>What is a sensor?</a:t>
+            </a:r>
+            <a:endParaRPr lang="en-US" dirty="0"/>
+          </a:p>
+        </p:txBody>
+      </p:sp>
+      <p:sp>
+        <p:nvSpPr>
+          <p:cNvPr id="3" name="Content Placeholder 2"/>
+          <p:cNvSpPr>
+            <a:spLocks noGrp="1"/>
+          </p:cNvSpPr>
+          <p:nvPr>
+            <p:ph idx="1"/>
+          </p:nvPr>
+        </p:nvSpPr>
+        <p:spPr/>
+        <p:txBody>
+          <a:bodyPr/>
+          <a:lstStyle/>
+          <a:p>
+            <a:r>
+              <a:rPr lang="en-US" dirty="0" smtClean="0"/>
+              <a:t>Broadly, a “device that receives and responds to a signal or stimulus”, including:</a:t>
+            </a:r>
+          </a:p>
+          <a:p>
+            <a:pPr lvl="1"/>
+            <a:r>
+              <a:rPr lang="en-US" dirty="0" smtClean="0"/>
+              <a:t>Eyes</a:t>
+            </a:r>
+          </a:p>
+          <a:p>
+            <a:pPr lvl="1"/>
+            <a:r>
+              <a:rPr lang="en-US" dirty="0" smtClean="0"/>
+              <a:t>Lateral line of a fish</a:t>
+            </a:r>
+          </a:p>
+          <a:p>
+            <a:pPr lvl="1"/>
+            <a:r>
+              <a:rPr lang="en-US" dirty="0" smtClean="0"/>
+              <a:t>Thermometer</a:t>
+            </a:r>
+          </a:p>
+          <a:p>
+            <a:pPr lvl="1"/>
+            <a:r>
+              <a:rPr lang="en-US" dirty="0" smtClean="0"/>
+              <a:t>Inner ear</a:t>
+            </a:r>
+          </a:p>
+          <a:p>
+            <a:r>
+              <a:rPr lang="en-US" dirty="0" smtClean="0"/>
+              <a:t>For the purposes of this workshop, a device that produces an electrical signal in response to a physical </a:t>
+            </a:r>
+            <a:r>
+              <a:rPr lang="en-US" dirty="0" smtClean="0"/>
+              <a:t>stimulus of </a:t>
+            </a:r>
+            <a:r>
+              <a:rPr lang="en-US" dirty="0" smtClean="0"/>
+              <a:t>some kind.</a:t>
+            </a:r>
+          </a:p>
+          <a:p>
+            <a:r>
+              <a:rPr lang="en-US" dirty="0" smtClean="0"/>
+              <a:t>Sensors are (almost) always part of a larger system that records or acts on their output. </a:t>
+            </a:r>
+          </a:p>
+        </p:txBody>
+      </p:sp>
+    </p:spTree>
+    <p:extLst>
+      <p:ext uri="{BB962C8B-B14F-4D97-AF65-F5344CB8AC3E}">
+        <p14:creationId xmlns:p14="http://schemas.microsoft.com/office/powerpoint/2010/main" val="2493508771"/>
+      </p:ext>
+    </p:extLst>
+  </p:cSld>
+  <p:clrMapOvr>
+    <a:masterClrMapping/>
+  </p:clrMapOvr>
+  <p:timing>
+    <p:tnLst>
+      <p:par>
+        <p:cTn id="1" dur="indefinite" restart="never" nodeType="tmRoot"/>
+      </p:par>
+    </p:tnLst>
+  </p:timing>
+</p:sld>
+</file>
+
+<file path=ppt/slides/slide40.xml><?xml version="1.0" encoding="utf-8"?>
+<p:sld xmlns:a="http://schemas.openxmlformats.org/drawingml/2006/main" xmlns:r="http://schemas.openxmlformats.org/officeDocument/2006/relationships" xmlns:p="http://schemas.openxmlformats.org/presentationml/2006/main">
+  <p:cSld>
+    <p:spTree>
+      <p:nvGrpSpPr>
+        <p:cNvPr id="1" name=""/>
+        <p:cNvGrpSpPr/>
+        <p:nvPr/>
+      </p:nvGrpSpPr>
+      <p:grpSpPr>
+        <a:xfrm>
+          <a:off x="0" y="0"/>
+          <a:ext cx="0" cy="0"/>
+          <a:chOff x="0" y="0"/>
+          <a:chExt cx="0" cy="0"/>
+        </a:xfrm>
+      </p:grpSpPr>
+      <p:sp>
+        <p:nvSpPr>
+          <p:cNvPr id="2" name="Title 1"/>
+          <p:cNvSpPr>
+            <a:spLocks noGrp="1"/>
+          </p:cNvSpPr>
+          <p:nvPr>
+            <p:ph type="title"/>
+          </p:nvPr>
+        </p:nvSpPr>
+        <p:spPr/>
+        <p:txBody>
+          <a:bodyPr/>
+          <a:lstStyle/>
+          <a:p>
+            <a:r>
+              <a:rPr lang="en-US" dirty="0" smtClean="0"/>
+              <a:t>Adding an amplifier to the bend sensor…</a:t>
+            </a:r>
+            <a:endParaRPr lang="en-US" dirty="0"/>
+          </a:p>
+        </p:txBody>
+      </p:sp>
+      <p:pic>
+        <p:nvPicPr>
+          <p:cNvPr id="4" name="Content Placeholder 3"/>
+          <p:cNvPicPr>
+            <a:picLocks noGrp="1" noChangeAspect="1"/>
+          </p:cNvPicPr>
+          <p:nvPr>
+            <p:ph idx="1"/>
+          </p:nvPr>
+        </p:nvPicPr>
+        <p:blipFill>
+          <a:blip r:embed="rId2">
+            <a:extLst>
+              <a:ext uri="{28A0092B-C50C-407E-A947-70E740481C1C}">
+                <a14:useLocalDpi xmlns:a14="http://schemas.microsoft.com/office/drawing/2010/main" val="0"/>
+              </a:ext>
+            </a:extLst>
+          </a:blip>
+          <a:stretch>
+            <a:fillRect/>
+          </a:stretch>
+        </p:blipFill>
+        <p:spPr>
+          <a:xfrm>
+            <a:off x="838201" y="1516535"/>
+            <a:ext cx="10359188" cy="5045702"/>
+          </a:xfrm>
+        </p:spPr>
+      </p:pic>
+    </p:spTree>
+    <p:extLst>
+      <p:ext uri="{BB962C8B-B14F-4D97-AF65-F5344CB8AC3E}">
+        <p14:creationId xmlns:p14="http://schemas.microsoft.com/office/powerpoint/2010/main" val="3645812238"/>
+      </p:ext>
+    </p:extLst>
+  </p:cSld>
+  <p:clrMapOvr>
+    <a:masterClrMapping/>
+  </p:clrMapOvr>
+  <p:timing>
+    <p:tnLst>
+      <p:par>
+        <p:cTn id="1" dur="indefinite" restart="never" nodeType="tmRoot"/>
+      </p:par>
+    </p:tnLst>
+  </p:timing>
+</p:sld>
+</file>
+
+<file path=ppt/slides/slide41.xml><?xml version="1.0" encoding="utf-8"?>
+<p:sld xmlns:a="http://schemas.openxmlformats.org/drawingml/2006/main" xmlns:r="http://schemas.openxmlformats.org/officeDocument/2006/relationships" xmlns:p="http://schemas.openxmlformats.org/presentationml/2006/main">
+  <p:cSld>
+    <p:spTree>
+      <p:nvGrpSpPr>
+        <p:cNvPr id="1" name=""/>
+        <p:cNvGrpSpPr/>
+        <p:nvPr/>
+      </p:nvGrpSpPr>
+      <p:grpSpPr>
+        <a:xfrm>
+          <a:off x="0" y="0"/>
+          <a:ext cx="0" cy="0"/>
+          <a:chOff x="0" y="0"/>
+          <a:chExt cx="0" cy="0"/>
+        </a:xfrm>
+      </p:grpSpPr>
+      <p:sp>
+        <p:nvSpPr>
+          <p:cNvPr id="2" name="Title 1"/>
+          <p:cNvSpPr>
+            <a:spLocks noGrp="1"/>
+          </p:cNvSpPr>
+          <p:nvPr>
+            <p:ph type="title"/>
+          </p:nvPr>
+        </p:nvSpPr>
+        <p:spPr/>
+        <p:txBody>
+          <a:bodyPr/>
+          <a:lstStyle/>
+          <a:p>
+            <a:r>
+              <a:rPr lang="en-US" dirty="0" smtClean="0"/>
+              <a:t>Adding an </a:t>
+            </a:r>
+            <a:r>
+              <a:rPr lang="en-US" dirty="0" smtClean="0"/>
+              <a:t>amplifier to the bend sensor…</a:t>
+            </a:r>
+            <a:endParaRPr lang="en-US" dirty="0"/>
+          </a:p>
+        </p:txBody>
+      </p:sp>
+      <p:pic>
+        <p:nvPicPr>
+          <p:cNvPr id="5" name="Content Placeholder 4"/>
+          <p:cNvPicPr>
+            <a:picLocks noGrp="1" noChangeAspect="1"/>
+          </p:cNvPicPr>
+          <p:nvPr>
+            <p:ph idx="1"/>
+          </p:nvPr>
+        </p:nvPicPr>
+        <p:blipFill rotWithShape="1">
+          <a:blip r:embed="rId2" cstate="print">
+            <a:extLst>
+              <a:ext uri="{28A0092B-C50C-407E-A947-70E740481C1C}">
+                <a14:useLocalDpi xmlns:a14="http://schemas.microsoft.com/office/drawing/2010/main" val="0"/>
+              </a:ext>
+            </a:extLst>
+          </a:blip>
+          <a:srcRect t="62378"/>
+          <a:stretch/>
+        </p:blipFill>
+        <p:spPr>
+          <a:xfrm>
+            <a:off x="838200" y="1507958"/>
+            <a:ext cx="9967607" cy="4847539"/>
+          </a:xfrm>
+        </p:spPr>
+      </p:pic>
+    </p:spTree>
+    <p:extLst>
+      <p:ext uri="{BB962C8B-B14F-4D97-AF65-F5344CB8AC3E}">
+        <p14:creationId xmlns:p14="http://schemas.microsoft.com/office/powerpoint/2010/main" val="2577411376"/>
+      </p:ext>
+    </p:extLst>
+  </p:cSld>
+  <p:clrMapOvr>
+    <a:masterClrMapping/>
+  </p:clrMapOvr>
+  <p:timing>
+    <p:tnLst>
+      <p:par>
+        <p:cTn id="1" dur="indefinite" restart="never" nodeType="tmRoot"/>
+      </p:par>
+    </p:tnLst>
+  </p:timing>
+</p:sld>
+</file>
+
+<file path=ppt/slides/slide42.xml><?xml version="1.0" encoding="utf-8"?>
 <p:sld xmlns:a="http://schemas.openxmlformats.org/drawingml/2006/main" xmlns:r="http://schemas.openxmlformats.org/officeDocument/2006/relationships" xmlns:p="http://schemas.openxmlformats.org/presentationml/2006/main">
   <p:cSld>
     <p:spTree>
@@ -8818,7 +9315,7 @@
 </p:sld>
 </file>
 
-<file path=ppt/slides/slide39.xml><?xml version="1.0" encoding="utf-8"?>
+<file path=ppt/slides/slide43.xml><?xml version="1.0" encoding="utf-8"?>
 <p:sld xmlns:a="http://schemas.openxmlformats.org/drawingml/2006/main" xmlns:r="http://schemas.openxmlformats.org/officeDocument/2006/relationships" xmlns:p="http://schemas.openxmlformats.org/presentationml/2006/main">
   <p:cSld>
     <p:spTree>
@@ -9188,129 +9685,7 @@
 </p:sld>
 </file>
 
-<file path=ppt/slides/slide4.xml><?xml version="1.0" encoding="utf-8"?>
-<p:sld xmlns:a="http://schemas.openxmlformats.org/drawingml/2006/main" xmlns:r="http://schemas.openxmlformats.org/officeDocument/2006/relationships" xmlns:p="http://schemas.openxmlformats.org/presentationml/2006/main">
-  <p:cSld>
-    <p:spTree>
-      <p:nvGrpSpPr>
-        <p:cNvPr id="1" name=""/>
-        <p:cNvGrpSpPr/>
-        <p:nvPr/>
-      </p:nvGrpSpPr>
-      <p:grpSpPr>
-        <a:xfrm>
-          <a:off x="0" y="0"/>
-          <a:ext cx="0" cy="0"/>
-          <a:chOff x="0" y="0"/>
-          <a:chExt cx="0" cy="0"/>
-        </a:xfrm>
-      </p:grpSpPr>
-      <p:sp>
-        <p:nvSpPr>
-          <p:cNvPr id="2" name="Title 1"/>
-          <p:cNvSpPr>
-            <a:spLocks noGrp="1"/>
-          </p:cNvSpPr>
-          <p:nvPr>
-            <p:ph type="title"/>
-          </p:nvPr>
-        </p:nvSpPr>
-        <p:spPr/>
-        <p:txBody>
-          <a:bodyPr/>
-          <a:lstStyle/>
-          <a:p>
-            <a:r>
-              <a:rPr lang="en-US" dirty="0" smtClean="0"/>
-              <a:t>What is a sensor?</a:t>
-            </a:r>
-            <a:endParaRPr lang="en-US" dirty="0"/>
-          </a:p>
-        </p:txBody>
-      </p:sp>
-      <p:sp>
-        <p:nvSpPr>
-          <p:cNvPr id="3" name="Content Placeholder 2"/>
-          <p:cNvSpPr>
-            <a:spLocks noGrp="1"/>
-          </p:cNvSpPr>
-          <p:nvPr>
-            <p:ph idx="1"/>
-          </p:nvPr>
-        </p:nvSpPr>
-        <p:spPr/>
-        <p:txBody>
-          <a:bodyPr/>
-          <a:lstStyle/>
-          <a:p>
-            <a:r>
-              <a:rPr lang="en-US" dirty="0" smtClean="0"/>
-              <a:t>Broadly, a “device that receives and responds to a signal or stimulus”, including:</a:t>
-            </a:r>
-          </a:p>
-          <a:p>
-            <a:pPr lvl="1"/>
-            <a:r>
-              <a:rPr lang="en-US" dirty="0" smtClean="0"/>
-              <a:t>Eyes</a:t>
-            </a:r>
-          </a:p>
-          <a:p>
-            <a:pPr lvl="1"/>
-            <a:r>
-              <a:rPr lang="en-US" dirty="0" smtClean="0"/>
-              <a:t>Lateral line of a fish</a:t>
-            </a:r>
-          </a:p>
-          <a:p>
-            <a:pPr lvl="1"/>
-            <a:r>
-              <a:rPr lang="en-US" dirty="0" smtClean="0"/>
-              <a:t>Thermometer</a:t>
-            </a:r>
-          </a:p>
-          <a:p>
-            <a:pPr lvl="1"/>
-            <a:r>
-              <a:rPr lang="en-US" dirty="0" smtClean="0"/>
-              <a:t>Inner ear</a:t>
-            </a:r>
-          </a:p>
-          <a:p>
-            <a:r>
-              <a:rPr lang="en-US" dirty="0" smtClean="0"/>
-              <a:t>For the purposes of this workshop, a device that produces an electrical signal in response to a physical signal of some kind.</a:t>
-            </a:r>
-          </a:p>
-          <a:p>
-            <a:r>
-              <a:rPr lang="en-US" dirty="0" smtClean="0"/>
-              <a:t>Sensors are (almost) always part of a larger system that records or acts on their output. </a:t>
-            </a:r>
-          </a:p>
-        </p:txBody>
-      </p:sp>
-    </p:spTree>
-    <p:extLst>
-      <p:ext uri="{BB962C8B-B14F-4D97-AF65-F5344CB8AC3E}">
-        <p14:creationId xmlns:p14="http://schemas.microsoft.com/office/powerpoint/2010/main" val="2493508771"/>
-      </p:ext>
-    </p:extLst>
-  </p:cSld>
-  <p:clrMapOvr>
-    <a:masterClrMapping/>
-  </p:clrMapOvr>
-  <p:timing>
-    <p:tnLst>
-      <p:par>
-        <p:cTn id="1" dur="indefinite" restart="never" nodeType="tmRoot"/>
-      </p:par>
-    </p:tnLst>
-  </p:timing>
-</p:sld>
-</file>
-
-<file path=ppt/slides/slide40.xml><?xml version="1.0" encoding="utf-8"?>
+<file path=ppt/slides/slide44.xml><?xml version="1.0" encoding="utf-8"?>
 <p:sld xmlns:a="http://schemas.openxmlformats.org/drawingml/2006/main" xmlns:r="http://schemas.openxmlformats.org/officeDocument/2006/relationships" xmlns:p="http://schemas.openxmlformats.org/presentationml/2006/main">
   <p:cSld>
     <p:spTree>
@@ -9839,7 +10214,7 @@
 </p:sld>
 </file>
 
-<file path=ppt/slides/slide41.xml><?xml version="1.0" encoding="utf-8"?>
+<file path=ppt/slides/slide45.xml><?xml version="1.0" encoding="utf-8"?>
 <p:sld xmlns:a="http://schemas.openxmlformats.org/drawingml/2006/main" xmlns:r="http://schemas.openxmlformats.org/officeDocument/2006/relationships" xmlns:p="http://schemas.openxmlformats.org/presentationml/2006/main">
   <p:cSld>
     <p:spTree>
@@ -10360,7 +10735,7 @@
 </p:sld>
 </file>
 
-<file path=ppt/slides/slide42.xml><?xml version="1.0" encoding="utf-8"?>
+<file path=ppt/slides/slide46.xml><?xml version="1.0" encoding="utf-8"?>
 <p:sld xmlns:a="http://schemas.openxmlformats.org/drawingml/2006/main" xmlns:r="http://schemas.openxmlformats.org/officeDocument/2006/relationships" xmlns:p="http://schemas.openxmlformats.org/presentationml/2006/main">
   <p:cSld>
     <p:spTree>
@@ -10439,7 +10814,7 @@
 </p:sld>
 </file>
 
-<file path=ppt/slides/slide43.xml><?xml version="1.0" encoding="utf-8"?>
+<file path=ppt/slides/slide47.xml><?xml version="1.0" encoding="utf-8"?>
 <p:sld xmlns:a="http://schemas.openxmlformats.org/drawingml/2006/main" xmlns:r="http://schemas.openxmlformats.org/officeDocument/2006/relationships" xmlns:p="http://schemas.openxmlformats.org/presentationml/2006/main">
   <p:cSld>
     <p:spTree>
@@ -10552,213 +10927,7 @@
 </p:sld>
 </file>
 
-<file path=ppt/slides/slide44.xml><?xml version="1.0" encoding="utf-8"?>
-<p:sld xmlns:a="http://schemas.openxmlformats.org/drawingml/2006/main" xmlns:r="http://schemas.openxmlformats.org/officeDocument/2006/relationships" xmlns:p="http://schemas.openxmlformats.org/presentationml/2006/main">
-  <p:cSld>
-    <p:spTree>
-      <p:nvGrpSpPr>
-        <p:cNvPr id="1" name=""/>
-        <p:cNvGrpSpPr/>
-        <p:nvPr/>
-      </p:nvGrpSpPr>
-      <p:grpSpPr>
-        <a:xfrm>
-          <a:off x="0" y="0"/>
-          <a:ext cx="0" cy="0"/>
-          <a:chOff x="0" y="0"/>
-          <a:chExt cx="0" cy="0"/>
-        </a:xfrm>
-      </p:grpSpPr>
-      <p:pic>
-        <p:nvPicPr>
-          <p:cNvPr id="5" name="Picture 4"/>
-          <p:cNvPicPr>
-            <a:picLocks noChangeAspect="1"/>
-          </p:cNvPicPr>
-          <p:nvPr/>
-        </p:nvPicPr>
-        <p:blipFill rotWithShape="1">
-          <a:blip r:embed="rId2" cstate="print">
-            <a:extLst>
-              <a:ext uri="{28A0092B-C50C-407E-A947-70E740481C1C}">
-                <a14:useLocalDpi xmlns:a14="http://schemas.microsoft.com/office/drawing/2010/main" val="0"/>
-              </a:ext>
-            </a:extLst>
-          </a:blip>
-          <a:srcRect t="65409"/>
-          <a:stretch/>
-        </p:blipFill>
-        <p:spPr>
-          <a:xfrm>
-            <a:off x="765416" y="2356734"/>
-            <a:ext cx="8561708" cy="3828406"/>
-          </a:xfrm>
-          <a:prstGeom prst="rect">
-            <a:avLst/>
-          </a:prstGeom>
-        </p:spPr>
-      </p:pic>
-      <p:pic>
-        <p:nvPicPr>
-          <p:cNvPr id="4" name="Content Placeholder 3"/>
-          <p:cNvPicPr>
-            <a:picLocks noGrp="1" noChangeAspect="1"/>
-          </p:cNvPicPr>
-          <p:nvPr>
-            <p:ph idx="1"/>
-          </p:nvPr>
-        </p:nvPicPr>
-        <p:blipFill>
-          <a:blip r:embed="rId3">
-            <a:extLst>
-              <a:ext uri="{28A0092B-C50C-407E-A947-70E740481C1C}">
-                <a14:useLocalDpi xmlns:a14="http://schemas.microsoft.com/office/drawing/2010/main" val="0"/>
-              </a:ext>
-            </a:extLst>
-          </a:blip>
-          <a:stretch>
-            <a:fillRect/>
-          </a:stretch>
-        </p:blipFill>
-        <p:spPr>
-          <a:xfrm>
-            <a:off x="7840662" y="750409"/>
-            <a:ext cx="4351338" cy="4351338"/>
-          </a:xfrm>
-        </p:spPr>
-      </p:pic>
-      <p:sp>
-        <p:nvSpPr>
-          <p:cNvPr id="2" name="Title 1"/>
-          <p:cNvSpPr>
-            <a:spLocks noGrp="1"/>
-          </p:cNvSpPr>
-          <p:nvPr>
-            <p:ph type="title"/>
-          </p:nvPr>
-        </p:nvSpPr>
-        <p:spPr/>
-        <p:txBody>
-          <a:bodyPr/>
-          <a:lstStyle/>
-          <a:p>
-            <a:r>
-              <a:rPr lang="en-US" dirty="0" smtClean="0"/>
-              <a:t>Wiring up the bend sensor…	</a:t>
-            </a:r>
-            <a:endParaRPr lang="en-US" dirty="0"/>
-          </a:p>
-        </p:txBody>
-      </p:sp>
-    </p:spTree>
-    <p:extLst>
-      <p:ext uri="{BB962C8B-B14F-4D97-AF65-F5344CB8AC3E}">
-        <p14:creationId xmlns:p14="http://schemas.microsoft.com/office/powerpoint/2010/main" val="119297158"/>
-      </p:ext>
-    </p:extLst>
-  </p:cSld>
-  <p:clrMapOvr>
-    <a:masterClrMapping/>
-  </p:clrMapOvr>
-  <p:timing>
-    <p:tnLst>
-      <p:par>
-        <p:cTn id="1" dur="indefinite" restart="never" nodeType="tmRoot"/>
-      </p:par>
-    </p:tnLst>
-  </p:timing>
-</p:sld>
-</file>
-
-<file path=ppt/slides/slide45.xml><?xml version="1.0" encoding="utf-8"?>
-<p:sld xmlns:a="http://schemas.openxmlformats.org/drawingml/2006/main" xmlns:r="http://schemas.openxmlformats.org/officeDocument/2006/relationships" xmlns:p="http://schemas.openxmlformats.org/presentationml/2006/main">
-  <p:cSld>
-    <p:spTree>
-      <p:nvGrpSpPr>
-        <p:cNvPr id="1" name=""/>
-        <p:cNvGrpSpPr/>
-        <p:nvPr/>
-      </p:nvGrpSpPr>
-      <p:grpSpPr>
-        <a:xfrm>
-          <a:off x="0" y="0"/>
-          <a:ext cx="0" cy="0"/>
-          <a:chOff x="0" y="0"/>
-          <a:chExt cx="0" cy="0"/>
-        </a:xfrm>
-      </p:grpSpPr>
-      <p:sp>
-        <p:nvSpPr>
-          <p:cNvPr id="2" name="Title 1"/>
-          <p:cNvSpPr>
-            <a:spLocks noGrp="1"/>
-          </p:cNvSpPr>
-          <p:nvPr>
-            <p:ph type="title"/>
-          </p:nvPr>
-        </p:nvSpPr>
-        <p:spPr/>
-        <p:txBody>
-          <a:bodyPr/>
-          <a:lstStyle/>
-          <a:p>
-            <a:r>
-              <a:rPr lang="en-US" dirty="0" smtClean="0"/>
-              <a:t>Adding an amplifier…</a:t>
-            </a:r>
-            <a:endParaRPr lang="en-US" dirty="0"/>
-          </a:p>
-        </p:txBody>
-      </p:sp>
-      <p:pic>
-        <p:nvPicPr>
-          <p:cNvPr id="4" name="Content Placeholder 3"/>
-          <p:cNvPicPr>
-            <a:picLocks noGrp="1" noChangeAspect="1"/>
-          </p:cNvPicPr>
-          <p:nvPr>
-            <p:ph idx="1"/>
-          </p:nvPr>
-        </p:nvPicPr>
-        <p:blipFill rotWithShape="1">
-          <a:blip r:embed="rId2" cstate="print">
-            <a:extLst>
-              <a:ext uri="{28A0092B-C50C-407E-A947-70E740481C1C}">
-                <a14:useLocalDpi xmlns:a14="http://schemas.microsoft.com/office/drawing/2010/main" val="0"/>
-              </a:ext>
-            </a:extLst>
-          </a:blip>
-          <a:srcRect t="63512"/>
-          <a:stretch/>
-        </p:blipFill>
-        <p:spPr>
-          <a:xfrm>
-            <a:off x="755335" y="1523683"/>
-            <a:ext cx="10139827" cy="4782676"/>
-          </a:xfrm>
-        </p:spPr>
-      </p:pic>
-    </p:spTree>
-    <p:extLst>
-      <p:ext uri="{BB962C8B-B14F-4D97-AF65-F5344CB8AC3E}">
-        <p14:creationId xmlns:p14="http://schemas.microsoft.com/office/powerpoint/2010/main" val="2577411376"/>
-      </p:ext>
-    </p:extLst>
-  </p:cSld>
-  <p:clrMapOvr>
-    <a:masterClrMapping/>
-  </p:clrMapOvr>
-  <p:timing>
-    <p:tnLst>
-      <p:par>
-        <p:cTn id="1" dur="indefinite" restart="never" nodeType="tmRoot"/>
-      </p:par>
-    </p:tnLst>
-  </p:timing>
-</p:sld>
-</file>
-
-<file path=ppt/slides/slide46.xml><?xml version="1.0" encoding="utf-8"?>
+<file path=ppt/slides/slide48.xml><?xml version="1.0" encoding="utf-8"?>
 <p:sld xmlns:a="http://schemas.openxmlformats.org/drawingml/2006/main" xmlns:r="http://schemas.openxmlformats.org/officeDocument/2006/relationships" xmlns:p="http://schemas.openxmlformats.org/presentationml/2006/main">
   <p:cSld>
     <p:spTree>
@@ -11203,7 +11372,7 @@
 </p:sld>
 </file>
 
-<file path=ppt/slides/slide47.xml><?xml version="1.0" encoding="utf-8"?>
+<file path=ppt/slides/slide49.xml><?xml version="1.0" encoding="utf-8"?>
 <p:sld xmlns:a="http://schemas.openxmlformats.org/drawingml/2006/main" xmlns:r="http://schemas.openxmlformats.org/officeDocument/2006/relationships" xmlns:p="http://schemas.openxmlformats.org/presentationml/2006/main">
   <p:cSld>
     <p:spTree>
@@ -11407,10 +11576,468 @@
   <p:clrMapOvr>
     <a:masterClrMapping/>
   </p:clrMapOvr>
+  <p:timing>
+    <p:tnLst>
+      <p:par>
+        <p:cTn id="1" dur="indefinite" restart="never" nodeType="tmRoot"/>
+      </p:par>
+    </p:tnLst>
+  </p:timing>
 </p:sld>
 </file>
 
-<file path=ppt/slides/slide48.xml><?xml version="1.0" encoding="utf-8"?>
+<file path=ppt/slides/slide5.xml><?xml version="1.0" encoding="utf-8"?>
+<p:sld xmlns:a="http://schemas.openxmlformats.org/drawingml/2006/main" xmlns:r="http://schemas.openxmlformats.org/officeDocument/2006/relationships" xmlns:p="http://schemas.openxmlformats.org/presentationml/2006/main">
+  <p:cSld>
+    <p:spTree>
+      <p:nvGrpSpPr>
+        <p:cNvPr id="1" name=""/>
+        <p:cNvGrpSpPr/>
+        <p:nvPr/>
+      </p:nvGrpSpPr>
+      <p:grpSpPr>
+        <a:xfrm>
+          <a:off x="0" y="0"/>
+          <a:ext cx="0" cy="0"/>
+          <a:chOff x="0" y="0"/>
+          <a:chExt cx="0" cy="0"/>
+        </a:xfrm>
+      </p:grpSpPr>
+      <p:sp>
+        <p:nvSpPr>
+          <p:cNvPr id="2" name="Title 1"/>
+          <p:cNvSpPr>
+            <a:spLocks noGrp="1"/>
+          </p:cNvSpPr>
+          <p:nvPr>
+            <p:ph type="title"/>
+          </p:nvPr>
+        </p:nvSpPr>
+        <p:spPr/>
+        <p:txBody>
+          <a:bodyPr/>
+          <a:lstStyle/>
+          <a:p>
+            <a:r>
+              <a:rPr lang="en-US" dirty="0" smtClean="0"/>
+              <a:t>Sensing systems</a:t>
+            </a:r>
+            <a:endParaRPr lang="en-US" dirty="0"/>
+          </a:p>
+        </p:txBody>
+      </p:sp>
+      <p:sp>
+        <p:nvSpPr>
+          <p:cNvPr id="3" name="Content Placeholder 2"/>
+          <p:cNvSpPr>
+            <a:spLocks noGrp="1"/>
+          </p:cNvSpPr>
+          <p:nvPr>
+            <p:ph idx="1"/>
+          </p:nvPr>
+        </p:nvSpPr>
+        <p:spPr>
+          <a:xfrm>
+            <a:off x="838200" y="1825625"/>
+            <a:ext cx="9625642" cy="563892"/>
+          </a:xfrm>
+        </p:spPr>
+        <p:txBody>
+          <a:bodyPr/>
+          <a:lstStyle/>
+          <a:p>
+            <a:r>
+              <a:rPr lang="en-US" dirty="0" smtClean="0"/>
+              <a:t>Typical sensing system diagram</a:t>
+            </a:r>
+            <a:endParaRPr lang="en-US" dirty="0"/>
+          </a:p>
+        </p:txBody>
+      </p:sp>
+      <p:sp>
+        <p:nvSpPr>
+          <p:cNvPr id="5" name="Rounded Rectangle 4"/>
+          <p:cNvSpPr/>
+          <p:nvPr/>
+        </p:nvSpPr>
+        <p:spPr>
+          <a:xfrm>
+            <a:off x="838200" y="3224122"/>
+            <a:ext cx="1181820" cy="720305"/>
+          </a:xfrm>
+          <a:prstGeom prst="roundRect">
+            <a:avLst/>
+          </a:prstGeom>
+        </p:spPr>
+        <p:style>
+          <a:lnRef idx="2">
+            <a:schemeClr val="dk1"/>
+          </a:lnRef>
+          <a:fillRef idx="1">
+            <a:schemeClr val="lt1"/>
+          </a:fillRef>
+          <a:effectRef idx="0">
+            <a:schemeClr val="dk1"/>
+          </a:effectRef>
+          <a:fontRef idx="minor">
+            <a:schemeClr val="dk1"/>
+          </a:fontRef>
+        </p:style>
+        <p:txBody>
+          <a:bodyPr rtlCol="0" anchor="ctr"/>
+          <a:lstStyle/>
+          <a:p>
+            <a:pPr algn="ctr"/>
+            <a:r>
+              <a:rPr lang="en-US" sz="2400" dirty="0" smtClean="0"/>
+              <a:t>Sensor</a:t>
+            </a:r>
+            <a:endParaRPr lang="en-US" sz="2400" dirty="0"/>
+          </a:p>
+        </p:txBody>
+      </p:sp>
+      <p:sp>
+        <p:nvSpPr>
+          <p:cNvPr id="6" name="Rounded Rectangle 5"/>
+          <p:cNvSpPr/>
+          <p:nvPr/>
+        </p:nvSpPr>
+        <p:spPr>
+          <a:xfrm>
+            <a:off x="2774110" y="3224122"/>
+            <a:ext cx="2004924" cy="720305"/>
+          </a:xfrm>
+          <a:prstGeom prst="roundRect">
+            <a:avLst/>
+          </a:prstGeom>
+        </p:spPr>
+        <p:style>
+          <a:lnRef idx="2">
+            <a:schemeClr val="dk1"/>
+          </a:lnRef>
+          <a:fillRef idx="1">
+            <a:schemeClr val="lt1"/>
+          </a:fillRef>
+          <a:effectRef idx="0">
+            <a:schemeClr val="dk1"/>
+          </a:effectRef>
+          <a:fontRef idx="minor">
+            <a:schemeClr val="dk1"/>
+          </a:fontRef>
+        </p:style>
+        <p:txBody>
+          <a:bodyPr rtlCol="0" anchor="ctr"/>
+          <a:lstStyle/>
+          <a:p>
+            <a:pPr algn="ctr"/>
+            <a:r>
+              <a:rPr lang="en-US" sz="2400" dirty="0" smtClean="0"/>
+              <a:t>Signal Conditioning</a:t>
+            </a:r>
+            <a:endParaRPr lang="en-US" sz="2400" dirty="0"/>
+          </a:p>
+        </p:txBody>
+      </p:sp>
+      <p:cxnSp>
+        <p:nvCxnSpPr>
+          <p:cNvPr id="8" name="Straight Arrow Connector 7"/>
+          <p:cNvCxnSpPr>
+            <a:stCxn id="5" idx="3"/>
+            <a:endCxn id="6" idx="1"/>
+          </p:cNvCxnSpPr>
+          <p:nvPr/>
+        </p:nvCxnSpPr>
+        <p:spPr>
+          <a:xfrm>
+            <a:off x="2020020" y="3584275"/>
+            <a:ext cx="754090" cy="0"/>
+          </a:xfrm>
+          <a:prstGeom prst="straightConnector1">
+            <a:avLst/>
+          </a:prstGeom>
+          <a:ln>
+            <a:solidFill>
+              <a:schemeClr val="tx1"/>
+            </a:solidFill>
+            <a:tailEnd type="triangle"/>
+          </a:ln>
+        </p:spPr>
+        <p:style>
+          <a:lnRef idx="1">
+            <a:schemeClr val="accent1"/>
+          </a:lnRef>
+          <a:fillRef idx="0">
+            <a:schemeClr val="accent1"/>
+          </a:fillRef>
+          <a:effectRef idx="0">
+            <a:schemeClr val="accent1"/>
+          </a:effectRef>
+          <a:fontRef idx="minor">
+            <a:schemeClr val="tx1"/>
+          </a:fontRef>
+        </p:style>
+      </p:cxnSp>
+      <p:sp>
+        <p:nvSpPr>
+          <p:cNvPr id="9" name="Rounded Rectangle 8"/>
+          <p:cNvSpPr/>
+          <p:nvPr/>
+        </p:nvSpPr>
+        <p:spPr>
+          <a:xfrm>
+            <a:off x="5533124" y="3224121"/>
+            <a:ext cx="2429057" cy="720306"/>
+          </a:xfrm>
+          <a:prstGeom prst="roundRect">
+            <a:avLst/>
+          </a:prstGeom>
+        </p:spPr>
+        <p:style>
+          <a:lnRef idx="2">
+            <a:schemeClr val="dk1"/>
+          </a:lnRef>
+          <a:fillRef idx="1">
+            <a:schemeClr val="lt1"/>
+          </a:fillRef>
+          <a:effectRef idx="0">
+            <a:schemeClr val="dk1"/>
+          </a:effectRef>
+          <a:fontRef idx="minor">
+            <a:schemeClr val="dk1"/>
+          </a:fontRef>
+        </p:style>
+        <p:txBody>
+          <a:bodyPr rtlCol="0" anchor="ctr"/>
+          <a:lstStyle/>
+          <a:p>
+            <a:pPr algn="ctr"/>
+            <a:r>
+              <a:rPr lang="en-US" sz="2400" dirty="0" smtClean="0"/>
+              <a:t>Analog to Digital Conversion (ADC)</a:t>
+            </a:r>
+            <a:endParaRPr lang="en-US" sz="2400" dirty="0"/>
+          </a:p>
+        </p:txBody>
+      </p:sp>
+      <p:cxnSp>
+        <p:nvCxnSpPr>
+          <p:cNvPr id="10" name="Straight Arrow Connector 9"/>
+          <p:cNvCxnSpPr>
+            <a:stCxn id="6" idx="3"/>
+            <a:endCxn id="9" idx="1"/>
+          </p:cNvCxnSpPr>
+          <p:nvPr/>
+        </p:nvCxnSpPr>
+        <p:spPr>
+          <a:xfrm flipV="1">
+            <a:off x="4779034" y="3584274"/>
+            <a:ext cx="754090" cy="1"/>
+          </a:xfrm>
+          <a:prstGeom prst="straightConnector1">
+            <a:avLst/>
+          </a:prstGeom>
+          <a:ln>
+            <a:solidFill>
+              <a:schemeClr val="tx1"/>
+            </a:solidFill>
+            <a:tailEnd type="triangle"/>
+          </a:ln>
+        </p:spPr>
+        <p:style>
+          <a:lnRef idx="1">
+            <a:schemeClr val="accent1"/>
+          </a:lnRef>
+          <a:fillRef idx="0">
+            <a:schemeClr val="accent1"/>
+          </a:fillRef>
+          <a:effectRef idx="0">
+            <a:schemeClr val="accent1"/>
+          </a:effectRef>
+          <a:fontRef idx="minor">
+            <a:schemeClr val="tx1"/>
+          </a:fontRef>
+        </p:style>
+      </p:cxnSp>
+      <p:cxnSp>
+        <p:nvCxnSpPr>
+          <p:cNvPr id="22" name="Straight Arrow Connector 21"/>
+          <p:cNvCxnSpPr>
+            <a:stCxn id="9" idx="3"/>
+            <a:endCxn id="47" idx="1"/>
+          </p:cNvCxnSpPr>
+          <p:nvPr/>
+        </p:nvCxnSpPr>
+        <p:spPr>
+          <a:xfrm>
+            <a:off x="7962181" y="3584274"/>
+            <a:ext cx="754089" cy="1"/>
+          </a:xfrm>
+          <a:prstGeom prst="straightConnector1">
+            <a:avLst/>
+          </a:prstGeom>
+          <a:ln>
+            <a:solidFill>
+              <a:schemeClr val="tx1"/>
+            </a:solidFill>
+            <a:tailEnd type="triangle"/>
+          </a:ln>
+        </p:spPr>
+        <p:style>
+          <a:lnRef idx="1">
+            <a:schemeClr val="accent1"/>
+          </a:lnRef>
+          <a:fillRef idx="0">
+            <a:schemeClr val="accent1"/>
+          </a:fillRef>
+          <a:effectRef idx="0">
+            <a:schemeClr val="accent1"/>
+          </a:effectRef>
+          <a:fontRef idx="minor">
+            <a:schemeClr val="tx1"/>
+          </a:fontRef>
+        </p:style>
+      </p:cxnSp>
+      <p:sp>
+        <p:nvSpPr>
+          <p:cNvPr id="47" name="Rounded Rectangle 46"/>
+          <p:cNvSpPr/>
+          <p:nvPr/>
+        </p:nvSpPr>
+        <p:spPr>
+          <a:xfrm>
+            <a:off x="8716270" y="3224122"/>
+            <a:ext cx="1592295" cy="720305"/>
+          </a:xfrm>
+          <a:prstGeom prst="roundRect">
+            <a:avLst/>
+          </a:prstGeom>
+        </p:spPr>
+        <p:style>
+          <a:lnRef idx="2">
+            <a:schemeClr val="dk1"/>
+          </a:lnRef>
+          <a:fillRef idx="1">
+            <a:schemeClr val="lt1"/>
+          </a:fillRef>
+          <a:effectRef idx="0">
+            <a:schemeClr val="dk1"/>
+          </a:effectRef>
+          <a:fontRef idx="minor">
+            <a:schemeClr val="dk1"/>
+          </a:fontRef>
+        </p:style>
+        <p:txBody>
+          <a:bodyPr rtlCol="0" anchor="ctr"/>
+          <a:lstStyle/>
+          <a:p>
+            <a:pPr algn="ctr"/>
+            <a:r>
+              <a:rPr lang="en-US" sz="2400" dirty="0" smtClean="0"/>
+              <a:t>Processing</a:t>
+            </a:r>
+            <a:endParaRPr lang="en-US" sz="2400" dirty="0"/>
+          </a:p>
+        </p:txBody>
+      </p:sp>
+      <p:sp>
+        <p:nvSpPr>
+          <p:cNvPr id="51" name="Rounded Rectangle 50"/>
+          <p:cNvSpPr/>
+          <p:nvPr/>
+        </p:nvSpPr>
+        <p:spPr>
+          <a:xfrm>
+            <a:off x="8921507" y="4418879"/>
+            <a:ext cx="1181820" cy="720305"/>
+          </a:xfrm>
+          <a:prstGeom prst="roundRect">
+            <a:avLst/>
+          </a:prstGeom>
+        </p:spPr>
+        <p:style>
+          <a:lnRef idx="2">
+            <a:schemeClr val="dk1"/>
+          </a:lnRef>
+          <a:fillRef idx="1">
+            <a:schemeClr val="lt1"/>
+          </a:fillRef>
+          <a:effectRef idx="0">
+            <a:schemeClr val="dk1"/>
+          </a:effectRef>
+          <a:fontRef idx="minor">
+            <a:schemeClr val="dk1"/>
+          </a:fontRef>
+        </p:style>
+        <p:txBody>
+          <a:bodyPr rtlCol="0" anchor="ctr"/>
+          <a:lstStyle/>
+          <a:p>
+            <a:pPr algn="ctr"/>
+            <a:r>
+              <a:rPr lang="en-US" sz="2400" dirty="0" smtClean="0"/>
+              <a:t>Display</a:t>
+            </a:r>
+            <a:endParaRPr lang="en-US" sz="2400" dirty="0"/>
+          </a:p>
+        </p:txBody>
+      </p:sp>
+      <p:cxnSp>
+        <p:nvCxnSpPr>
+          <p:cNvPr id="53" name="Straight Arrow Connector 52"/>
+          <p:cNvCxnSpPr>
+            <a:stCxn id="47" idx="2"/>
+            <a:endCxn id="51" idx="0"/>
+          </p:cNvCxnSpPr>
+          <p:nvPr/>
+        </p:nvCxnSpPr>
+        <p:spPr>
+          <a:xfrm flipH="1">
+            <a:off x="9512417" y="3944427"/>
+            <a:ext cx="1" cy="474452"/>
+          </a:xfrm>
+          <a:prstGeom prst="straightConnector1">
+            <a:avLst/>
+          </a:prstGeom>
+          <a:ln>
+            <a:tailEnd type="triangle"/>
+          </a:ln>
+        </p:spPr>
+        <p:style>
+          <a:lnRef idx="1">
+            <a:schemeClr val="dk1"/>
+          </a:lnRef>
+          <a:fillRef idx="0">
+            <a:schemeClr val="dk1"/>
+          </a:fillRef>
+          <a:effectRef idx="0">
+            <a:schemeClr val="dk1"/>
+          </a:effectRef>
+          <a:fontRef idx="minor">
+            <a:schemeClr val="tx1"/>
+          </a:fontRef>
+        </p:style>
+      </p:cxnSp>
+    </p:spTree>
+    <p:extLst>
+      <p:ext uri="{BB962C8B-B14F-4D97-AF65-F5344CB8AC3E}">
+        <p14:creationId xmlns:p14="http://schemas.microsoft.com/office/powerpoint/2010/main" val="2833599974"/>
+      </p:ext>
+    </p:extLst>
+  </p:cSld>
+  <p:clrMapOvr>
+    <a:masterClrMapping/>
+  </p:clrMapOvr>
+  <p:timing>
+    <p:tnLst>
+      <p:par>
+        <p:cTn id="1" dur="indefinite" restart="never" nodeType="tmRoot"/>
+      </p:par>
+    </p:tnLst>
+  </p:timing>
+</p:sld>
+</file>
+
+<file path=ppt/slides/slide50.xml><?xml version="1.0" encoding="utf-8"?>
 <p:sld xmlns:a="http://schemas.openxmlformats.org/drawingml/2006/main" xmlns:r="http://schemas.openxmlformats.org/officeDocument/2006/relationships" xmlns:p="http://schemas.openxmlformats.org/presentationml/2006/main">
   <p:cSld>
     <p:spTree>
@@ -11641,10 +12268,17 @@
   <p:clrMapOvr>
     <a:masterClrMapping/>
   </p:clrMapOvr>
+  <p:timing>
+    <p:tnLst>
+      <p:par>
+        <p:cTn id="1" dur="indefinite" restart="never" nodeType="tmRoot"/>
+      </p:par>
+    </p:tnLst>
+  </p:timing>
 </p:sld>
 </file>
 
-<file path=ppt/slides/slide49.xml><?xml version="1.0" encoding="utf-8"?>
+<file path=ppt/slides/slide51.xml><?xml version="1.0" encoding="utf-8"?>
 <p:sld xmlns:a="http://schemas.openxmlformats.org/drawingml/2006/main" xmlns:r="http://schemas.openxmlformats.org/officeDocument/2006/relationships" xmlns:p="http://schemas.openxmlformats.org/presentationml/2006/main">
   <p:cSld>
     <p:spTree>
@@ -11810,450 +12444,6 @@
   <p:clrMapOvr>
     <a:masterClrMapping/>
   </p:clrMapOvr>
-</p:sld>
-</file>
-
-<file path=ppt/slides/slide5.xml><?xml version="1.0" encoding="utf-8"?>
-<p:sld xmlns:a="http://schemas.openxmlformats.org/drawingml/2006/main" xmlns:r="http://schemas.openxmlformats.org/officeDocument/2006/relationships" xmlns:p="http://schemas.openxmlformats.org/presentationml/2006/main">
-  <p:cSld>
-    <p:spTree>
-      <p:nvGrpSpPr>
-        <p:cNvPr id="1" name=""/>
-        <p:cNvGrpSpPr/>
-        <p:nvPr/>
-      </p:nvGrpSpPr>
-      <p:grpSpPr>
-        <a:xfrm>
-          <a:off x="0" y="0"/>
-          <a:ext cx="0" cy="0"/>
-          <a:chOff x="0" y="0"/>
-          <a:chExt cx="0" cy="0"/>
-        </a:xfrm>
-      </p:grpSpPr>
-      <p:sp>
-        <p:nvSpPr>
-          <p:cNvPr id="2" name="Title 1"/>
-          <p:cNvSpPr>
-            <a:spLocks noGrp="1"/>
-          </p:cNvSpPr>
-          <p:nvPr>
-            <p:ph type="title"/>
-          </p:nvPr>
-        </p:nvSpPr>
-        <p:spPr/>
-        <p:txBody>
-          <a:bodyPr/>
-          <a:lstStyle/>
-          <a:p>
-            <a:r>
-              <a:rPr lang="en-US" dirty="0" smtClean="0"/>
-              <a:t>Sensing systems</a:t>
-            </a:r>
-            <a:endParaRPr lang="en-US" dirty="0"/>
-          </a:p>
-        </p:txBody>
-      </p:sp>
-      <p:sp>
-        <p:nvSpPr>
-          <p:cNvPr id="3" name="Content Placeholder 2"/>
-          <p:cNvSpPr>
-            <a:spLocks noGrp="1"/>
-          </p:cNvSpPr>
-          <p:nvPr>
-            <p:ph idx="1"/>
-          </p:nvPr>
-        </p:nvSpPr>
-        <p:spPr>
-          <a:xfrm>
-            <a:off x="838200" y="1825625"/>
-            <a:ext cx="9625642" cy="563892"/>
-          </a:xfrm>
-        </p:spPr>
-        <p:txBody>
-          <a:bodyPr/>
-          <a:lstStyle/>
-          <a:p>
-            <a:r>
-              <a:rPr lang="en-US" dirty="0" smtClean="0"/>
-              <a:t>Typical sensing system diagram</a:t>
-            </a:r>
-            <a:endParaRPr lang="en-US" dirty="0"/>
-          </a:p>
-        </p:txBody>
-      </p:sp>
-      <p:sp>
-        <p:nvSpPr>
-          <p:cNvPr id="5" name="Rounded Rectangle 4"/>
-          <p:cNvSpPr/>
-          <p:nvPr/>
-        </p:nvSpPr>
-        <p:spPr>
-          <a:xfrm>
-            <a:off x="838200" y="3224122"/>
-            <a:ext cx="1181820" cy="720305"/>
-          </a:xfrm>
-          <a:prstGeom prst="roundRect">
-            <a:avLst/>
-          </a:prstGeom>
-        </p:spPr>
-        <p:style>
-          <a:lnRef idx="2">
-            <a:schemeClr val="dk1"/>
-          </a:lnRef>
-          <a:fillRef idx="1">
-            <a:schemeClr val="lt1"/>
-          </a:fillRef>
-          <a:effectRef idx="0">
-            <a:schemeClr val="dk1"/>
-          </a:effectRef>
-          <a:fontRef idx="minor">
-            <a:schemeClr val="dk1"/>
-          </a:fontRef>
-        </p:style>
-        <p:txBody>
-          <a:bodyPr rtlCol="0" anchor="ctr"/>
-          <a:lstStyle/>
-          <a:p>
-            <a:pPr algn="ctr"/>
-            <a:r>
-              <a:rPr lang="en-US" sz="2400" dirty="0" smtClean="0"/>
-              <a:t>Sensor</a:t>
-            </a:r>
-            <a:endParaRPr lang="en-US" sz="2400" dirty="0"/>
-          </a:p>
-        </p:txBody>
-      </p:sp>
-      <p:sp>
-        <p:nvSpPr>
-          <p:cNvPr id="6" name="Rounded Rectangle 5"/>
-          <p:cNvSpPr/>
-          <p:nvPr/>
-        </p:nvSpPr>
-        <p:spPr>
-          <a:xfrm>
-            <a:off x="2774110" y="3224122"/>
-            <a:ext cx="2004924" cy="720305"/>
-          </a:xfrm>
-          <a:prstGeom prst="roundRect">
-            <a:avLst/>
-          </a:prstGeom>
-        </p:spPr>
-        <p:style>
-          <a:lnRef idx="2">
-            <a:schemeClr val="dk1"/>
-          </a:lnRef>
-          <a:fillRef idx="1">
-            <a:schemeClr val="lt1"/>
-          </a:fillRef>
-          <a:effectRef idx="0">
-            <a:schemeClr val="dk1"/>
-          </a:effectRef>
-          <a:fontRef idx="minor">
-            <a:schemeClr val="dk1"/>
-          </a:fontRef>
-        </p:style>
-        <p:txBody>
-          <a:bodyPr rtlCol="0" anchor="ctr"/>
-          <a:lstStyle/>
-          <a:p>
-            <a:pPr algn="ctr"/>
-            <a:r>
-              <a:rPr lang="en-US" sz="2400" dirty="0" smtClean="0"/>
-              <a:t>Signal Conditioning</a:t>
-            </a:r>
-            <a:endParaRPr lang="en-US" sz="2400" dirty="0"/>
-          </a:p>
-        </p:txBody>
-      </p:sp>
-      <p:cxnSp>
-        <p:nvCxnSpPr>
-          <p:cNvPr id="8" name="Straight Arrow Connector 7"/>
-          <p:cNvCxnSpPr>
-            <a:stCxn id="5" idx="3"/>
-            <a:endCxn id="6" idx="1"/>
-          </p:cNvCxnSpPr>
-          <p:nvPr/>
-        </p:nvCxnSpPr>
-        <p:spPr>
-          <a:xfrm>
-            <a:off x="2020020" y="3584275"/>
-            <a:ext cx="754090" cy="0"/>
-          </a:xfrm>
-          <a:prstGeom prst="straightConnector1">
-            <a:avLst/>
-          </a:prstGeom>
-          <a:ln>
-            <a:solidFill>
-              <a:schemeClr val="tx1"/>
-            </a:solidFill>
-            <a:tailEnd type="triangle"/>
-          </a:ln>
-        </p:spPr>
-        <p:style>
-          <a:lnRef idx="1">
-            <a:schemeClr val="accent1"/>
-          </a:lnRef>
-          <a:fillRef idx="0">
-            <a:schemeClr val="accent1"/>
-          </a:fillRef>
-          <a:effectRef idx="0">
-            <a:schemeClr val="accent1"/>
-          </a:effectRef>
-          <a:fontRef idx="minor">
-            <a:schemeClr val="tx1"/>
-          </a:fontRef>
-        </p:style>
-      </p:cxnSp>
-      <p:sp>
-        <p:nvSpPr>
-          <p:cNvPr id="9" name="Rounded Rectangle 8"/>
-          <p:cNvSpPr/>
-          <p:nvPr/>
-        </p:nvSpPr>
-        <p:spPr>
-          <a:xfrm>
-            <a:off x="5533124" y="3224121"/>
-            <a:ext cx="2429057" cy="720306"/>
-          </a:xfrm>
-          <a:prstGeom prst="roundRect">
-            <a:avLst/>
-          </a:prstGeom>
-        </p:spPr>
-        <p:style>
-          <a:lnRef idx="2">
-            <a:schemeClr val="dk1"/>
-          </a:lnRef>
-          <a:fillRef idx="1">
-            <a:schemeClr val="lt1"/>
-          </a:fillRef>
-          <a:effectRef idx="0">
-            <a:schemeClr val="dk1"/>
-          </a:effectRef>
-          <a:fontRef idx="minor">
-            <a:schemeClr val="dk1"/>
-          </a:fontRef>
-        </p:style>
-        <p:txBody>
-          <a:bodyPr rtlCol="0" anchor="ctr"/>
-          <a:lstStyle/>
-          <a:p>
-            <a:pPr algn="ctr"/>
-            <a:r>
-              <a:rPr lang="en-US" sz="2400" dirty="0" smtClean="0"/>
-              <a:t>Analog to Digital Conversion (ADC)</a:t>
-            </a:r>
-            <a:endParaRPr lang="en-US" sz="2400" dirty="0"/>
-          </a:p>
-        </p:txBody>
-      </p:sp>
-      <p:cxnSp>
-        <p:nvCxnSpPr>
-          <p:cNvPr id="10" name="Straight Arrow Connector 9"/>
-          <p:cNvCxnSpPr>
-            <a:stCxn id="6" idx="3"/>
-            <a:endCxn id="9" idx="1"/>
-          </p:cNvCxnSpPr>
-          <p:nvPr/>
-        </p:nvCxnSpPr>
-        <p:spPr>
-          <a:xfrm flipV="1">
-            <a:off x="4779034" y="3584274"/>
-            <a:ext cx="754090" cy="1"/>
-          </a:xfrm>
-          <a:prstGeom prst="straightConnector1">
-            <a:avLst/>
-          </a:prstGeom>
-          <a:ln>
-            <a:solidFill>
-              <a:schemeClr val="tx1"/>
-            </a:solidFill>
-            <a:tailEnd type="triangle"/>
-          </a:ln>
-        </p:spPr>
-        <p:style>
-          <a:lnRef idx="1">
-            <a:schemeClr val="accent1"/>
-          </a:lnRef>
-          <a:fillRef idx="0">
-            <a:schemeClr val="accent1"/>
-          </a:fillRef>
-          <a:effectRef idx="0">
-            <a:schemeClr val="accent1"/>
-          </a:effectRef>
-          <a:fontRef idx="minor">
-            <a:schemeClr val="tx1"/>
-          </a:fontRef>
-        </p:style>
-      </p:cxnSp>
-      <p:cxnSp>
-        <p:nvCxnSpPr>
-          <p:cNvPr id="22" name="Straight Arrow Connector 21"/>
-          <p:cNvCxnSpPr>
-            <a:stCxn id="9" idx="3"/>
-            <a:endCxn id="47" idx="1"/>
-          </p:cNvCxnSpPr>
-          <p:nvPr/>
-        </p:nvCxnSpPr>
-        <p:spPr>
-          <a:xfrm>
-            <a:off x="7962181" y="3584274"/>
-            <a:ext cx="754089" cy="1"/>
-          </a:xfrm>
-          <a:prstGeom prst="straightConnector1">
-            <a:avLst/>
-          </a:prstGeom>
-          <a:ln>
-            <a:solidFill>
-              <a:schemeClr val="tx1"/>
-            </a:solidFill>
-            <a:tailEnd type="triangle"/>
-          </a:ln>
-        </p:spPr>
-        <p:style>
-          <a:lnRef idx="1">
-            <a:schemeClr val="accent1"/>
-          </a:lnRef>
-          <a:fillRef idx="0">
-            <a:schemeClr val="accent1"/>
-          </a:fillRef>
-          <a:effectRef idx="0">
-            <a:schemeClr val="accent1"/>
-          </a:effectRef>
-          <a:fontRef idx="minor">
-            <a:schemeClr val="tx1"/>
-          </a:fontRef>
-        </p:style>
-      </p:cxnSp>
-      <p:sp>
-        <p:nvSpPr>
-          <p:cNvPr id="47" name="Rounded Rectangle 46"/>
-          <p:cNvSpPr/>
-          <p:nvPr/>
-        </p:nvSpPr>
-        <p:spPr>
-          <a:xfrm>
-            <a:off x="8716270" y="3224122"/>
-            <a:ext cx="1592295" cy="720305"/>
-          </a:xfrm>
-          <a:prstGeom prst="roundRect">
-            <a:avLst/>
-          </a:prstGeom>
-        </p:spPr>
-        <p:style>
-          <a:lnRef idx="2">
-            <a:schemeClr val="dk1"/>
-          </a:lnRef>
-          <a:fillRef idx="1">
-            <a:schemeClr val="lt1"/>
-          </a:fillRef>
-          <a:effectRef idx="0">
-            <a:schemeClr val="dk1"/>
-          </a:effectRef>
-          <a:fontRef idx="minor">
-            <a:schemeClr val="dk1"/>
-          </a:fontRef>
-        </p:style>
-        <p:txBody>
-          <a:bodyPr rtlCol="0" anchor="ctr"/>
-          <a:lstStyle/>
-          <a:p>
-            <a:pPr algn="ctr"/>
-            <a:r>
-              <a:rPr lang="en-US" sz="2400" dirty="0" smtClean="0"/>
-              <a:t>Processing</a:t>
-            </a:r>
-            <a:endParaRPr lang="en-US" sz="2400" dirty="0"/>
-          </a:p>
-        </p:txBody>
-      </p:sp>
-      <p:sp>
-        <p:nvSpPr>
-          <p:cNvPr id="51" name="Rounded Rectangle 50"/>
-          <p:cNvSpPr/>
-          <p:nvPr/>
-        </p:nvSpPr>
-        <p:spPr>
-          <a:xfrm>
-            <a:off x="8921507" y="4418879"/>
-            <a:ext cx="1181820" cy="720305"/>
-          </a:xfrm>
-          <a:prstGeom prst="roundRect">
-            <a:avLst/>
-          </a:prstGeom>
-        </p:spPr>
-        <p:style>
-          <a:lnRef idx="2">
-            <a:schemeClr val="dk1"/>
-          </a:lnRef>
-          <a:fillRef idx="1">
-            <a:schemeClr val="lt1"/>
-          </a:fillRef>
-          <a:effectRef idx="0">
-            <a:schemeClr val="dk1"/>
-          </a:effectRef>
-          <a:fontRef idx="minor">
-            <a:schemeClr val="dk1"/>
-          </a:fontRef>
-        </p:style>
-        <p:txBody>
-          <a:bodyPr rtlCol="0" anchor="ctr"/>
-          <a:lstStyle/>
-          <a:p>
-            <a:pPr algn="ctr"/>
-            <a:r>
-              <a:rPr lang="en-US" sz="2400" dirty="0" smtClean="0"/>
-              <a:t>Display</a:t>
-            </a:r>
-            <a:endParaRPr lang="en-US" sz="2400" dirty="0"/>
-          </a:p>
-        </p:txBody>
-      </p:sp>
-      <p:cxnSp>
-        <p:nvCxnSpPr>
-          <p:cNvPr id="53" name="Straight Arrow Connector 52"/>
-          <p:cNvCxnSpPr>
-            <a:stCxn id="47" idx="2"/>
-            <a:endCxn id="51" idx="0"/>
-          </p:cNvCxnSpPr>
-          <p:nvPr/>
-        </p:nvCxnSpPr>
-        <p:spPr>
-          <a:xfrm flipH="1">
-            <a:off x="9512417" y="3944427"/>
-            <a:ext cx="1" cy="474452"/>
-          </a:xfrm>
-          <a:prstGeom prst="straightConnector1">
-            <a:avLst/>
-          </a:prstGeom>
-          <a:ln>
-            <a:tailEnd type="triangle"/>
-          </a:ln>
-        </p:spPr>
-        <p:style>
-          <a:lnRef idx="1">
-            <a:schemeClr val="dk1"/>
-          </a:lnRef>
-          <a:fillRef idx="0">
-            <a:schemeClr val="dk1"/>
-          </a:fillRef>
-          <a:effectRef idx="0">
-            <a:schemeClr val="dk1"/>
-          </a:effectRef>
-          <a:fontRef idx="minor">
-            <a:schemeClr val="tx1"/>
-          </a:fontRef>
-        </p:style>
-      </p:cxnSp>
-    </p:spTree>
-    <p:extLst>
-      <p:ext uri="{BB962C8B-B14F-4D97-AF65-F5344CB8AC3E}">
-        <p14:creationId xmlns:p14="http://schemas.microsoft.com/office/powerpoint/2010/main" val="2833599974"/>
-      </p:ext>
-    </p:extLst>
-  </p:cSld>
-  <p:clrMapOvr>
-    <a:masterClrMapping/>
-  </p:clrMapOvr>
   <p:timing>
     <p:tnLst>
       <p:par>
@@ -12264,7 +12454,7 @@
 </p:sld>
 </file>
 
-<file path=ppt/slides/slide50.xml><?xml version="1.0" encoding="utf-8"?>
+<file path=ppt/slides/slide52.xml><?xml version="1.0" encoding="utf-8"?>
 <p:sld xmlns:a="http://schemas.openxmlformats.org/drawingml/2006/main" xmlns:r="http://schemas.openxmlformats.org/officeDocument/2006/relationships" xmlns:p="http://schemas.openxmlformats.org/presentationml/2006/main">
   <p:cSld>
     <p:spTree>
@@ -12343,10 +12533,17 @@
   <p:clrMapOvr>
     <a:masterClrMapping/>
   </p:clrMapOvr>
+  <p:timing>
+    <p:tnLst>
+      <p:par>
+        <p:cTn id="1" dur="indefinite" restart="never" nodeType="tmRoot"/>
+      </p:par>
+    </p:tnLst>
+  </p:timing>
 </p:sld>
 </file>
 
-<file path=ppt/slides/slide51.xml><?xml version="1.0" encoding="utf-8"?>
+<file path=ppt/slides/slide53.xml><?xml version="1.0" encoding="utf-8"?>
 <p:sld xmlns:a="http://schemas.openxmlformats.org/drawingml/2006/main" xmlns:r="http://schemas.openxmlformats.org/officeDocument/2006/relationships" xmlns:p="http://schemas.openxmlformats.org/presentationml/2006/main">
   <p:cSld>
     <p:spTree>
@@ -12482,10 +12679,17 @@
   <p:clrMapOvr>
     <a:masterClrMapping/>
   </p:clrMapOvr>
+  <p:timing>
+    <p:tnLst>
+      <p:par>
+        <p:cTn id="1" dur="indefinite" restart="never" nodeType="tmRoot"/>
+      </p:par>
+    </p:tnLst>
+  </p:timing>
 </p:sld>
 </file>
 
-<file path=ppt/slides/slide52.xml><?xml version="1.0" encoding="utf-8"?>
+<file path=ppt/slides/slide54.xml><?xml version="1.0" encoding="utf-8"?>
 <p:sld xmlns:a="http://schemas.openxmlformats.org/drawingml/2006/main" xmlns:r="http://schemas.openxmlformats.org/officeDocument/2006/relationships" xmlns:p="http://schemas.openxmlformats.org/presentationml/2006/main">
   <p:cSld>
     <p:spTree>
@@ -12635,10 +12839,17 @@
   <p:clrMapOvr>
     <a:masterClrMapping/>
   </p:clrMapOvr>
+  <p:timing>
+    <p:tnLst>
+      <p:par>
+        <p:cTn id="1" dur="indefinite" restart="never" nodeType="tmRoot"/>
+      </p:par>
+    </p:tnLst>
+  </p:timing>
 </p:sld>
 </file>
 
-<file path=ppt/slides/slide53.xml><?xml version="1.0" encoding="utf-8"?>
+<file path=ppt/slides/slide55.xml><?xml version="1.0" encoding="utf-8"?>
 <p:sld xmlns:a="http://schemas.openxmlformats.org/drawingml/2006/main" xmlns:r="http://schemas.openxmlformats.org/officeDocument/2006/relationships" xmlns:p="http://schemas.openxmlformats.org/presentationml/2006/main">
   <p:cSld>
     <p:spTree>
@@ -12711,10 +12922,17 @@
   <p:clrMapOvr>
     <a:masterClrMapping/>
   </p:clrMapOvr>
+  <p:timing>
+    <p:tnLst>
+      <p:par>
+        <p:cTn id="1" dur="indefinite" restart="never" nodeType="tmRoot"/>
+      </p:par>
+    </p:tnLst>
+  </p:timing>
 </p:sld>
 </file>
 
-<file path=ppt/slides/slide54.xml><?xml version="1.0" encoding="utf-8"?>
+<file path=ppt/slides/slide56.xml><?xml version="1.0" encoding="utf-8"?>
 <p:sld xmlns:a="http://schemas.openxmlformats.org/drawingml/2006/main" xmlns:r="http://schemas.openxmlformats.org/officeDocument/2006/relationships" xmlns:p="http://schemas.openxmlformats.org/presentationml/2006/main">
   <p:cSld>
     <p:spTree>
@@ -12849,10 +13067,17 @@
   <p:clrMapOvr>
     <a:masterClrMapping/>
   </p:clrMapOvr>
+  <p:timing>
+    <p:tnLst>
+      <p:par>
+        <p:cTn id="1" dur="indefinite" restart="never" nodeType="tmRoot"/>
+      </p:par>
+    </p:tnLst>
+  </p:timing>
 </p:sld>
 </file>
 
-<file path=ppt/slides/slide55.xml><?xml version="1.0" encoding="utf-8"?>
+<file path=ppt/slides/slide57.xml><?xml version="1.0" encoding="utf-8"?>
 <p:sld xmlns:a="http://schemas.openxmlformats.org/drawingml/2006/main" xmlns:r="http://schemas.openxmlformats.org/officeDocument/2006/relationships" xmlns:p="http://schemas.openxmlformats.org/presentationml/2006/main">
   <p:cSld>
     <p:spTree>
@@ -12978,10 +13203,17 @@
   <p:clrMapOvr>
     <a:masterClrMapping/>
   </p:clrMapOvr>
+  <p:timing>
+    <p:tnLst>
+      <p:par>
+        <p:cTn id="1" dur="indefinite" restart="never" nodeType="tmRoot"/>
+      </p:par>
+    </p:tnLst>
+  </p:timing>
 </p:sld>
 </file>
 
-<file path=ppt/slides/slide56.xml><?xml version="1.0" encoding="utf-8"?>
+<file path=ppt/slides/slide58.xml><?xml version="1.0" encoding="utf-8"?>
 <p:sld xmlns:a="http://schemas.openxmlformats.org/drawingml/2006/main" xmlns:r="http://schemas.openxmlformats.org/officeDocument/2006/relationships" xmlns:p="http://schemas.openxmlformats.org/presentationml/2006/main">
   <p:cSld>
     <p:spTree>
@@ -13115,207 +13347,13 @@
   <p:clrMapOvr>
     <a:masterClrMapping/>
   </p:clrMapOvr>
-</p:sld>
-</file>
-
-<file path=ppt/slides/slide57.xml><?xml version="1.0" encoding="utf-8"?>
-<p:sld xmlns:a="http://schemas.openxmlformats.org/drawingml/2006/main" xmlns:r="http://schemas.openxmlformats.org/officeDocument/2006/relationships" xmlns:p="http://schemas.openxmlformats.org/presentationml/2006/main">
-  <p:cSld>
-    <p:spTree>
-      <p:nvGrpSpPr>
-        <p:cNvPr id="1" name=""/>
-        <p:cNvGrpSpPr/>
-        <p:nvPr/>
-      </p:nvGrpSpPr>
-      <p:grpSpPr>
-        <a:xfrm>
-          <a:off x="0" y="0"/>
-          <a:ext cx="0" cy="0"/>
-          <a:chOff x="0" y="0"/>
-          <a:chExt cx="0" cy="0"/>
-        </a:xfrm>
-      </p:grpSpPr>
-      <p:sp>
-        <p:nvSpPr>
-          <p:cNvPr id="2" name="Title 1"/>
-          <p:cNvSpPr>
-            <a:spLocks noGrp="1"/>
-          </p:cNvSpPr>
-          <p:nvPr>
-            <p:ph type="title"/>
-          </p:nvPr>
-        </p:nvSpPr>
-        <p:spPr/>
-        <p:txBody>
-          <a:bodyPr/>
-          <a:lstStyle/>
-          <a:p>
-            <a:r>
-              <a:rPr lang="en-US" dirty="0" smtClean="0"/>
-              <a:t>Load cells and pressure transducers</a:t>
-            </a:r>
-            <a:endParaRPr lang="en-US" dirty="0"/>
-          </a:p>
-        </p:txBody>
-      </p:sp>
-      <p:sp>
-        <p:nvSpPr>
-          <p:cNvPr id="3" name="Content Placeholder 2"/>
-          <p:cNvSpPr>
-            <a:spLocks noGrp="1"/>
-          </p:cNvSpPr>
-          <p:nvPr>
-            <p:ph idx="1"/>
-          </p:nvPr>
-        </p:nvSpPr>
-        <p:spPr/>
-        <p:txBody>
-          <a:bodyPr/>
-          <a:lstStyle/>
-          <a:p>
-            <a:r>
-              <a:rPr lang="en-US" dirty="0" smtClean="0"/>
-              <a:t>Four strain gauges and well-characterized diaphragm or beam make a very accurate pressure or force sensor</a:t>
-            </a:r>
-          </a:p>
-          <a:p>
-            <a:r>
-              <a:rPr lang="en-US" dirty="0" smtClean="0"/>
-              <a:t>The four gauges are arranged around the beam or diaphragm such that thermal expansion/contraction cause no change in output. </a:t>
-            </a:r>
-          </a:p>
-          <a:p>
-            <a:r>
-              <a:rPr lang="en-US" dirty="0" smtClean="0"/>
-              <a:t>Many companies sell chips that encapsulate excitation + amplification in a single chip, like the INA125.</a:t>
-            </a:r>
-          </a:p>
-          <a:p>
-            <a:r>
-              <a:rPr lang="en-US" dirty="0" smtClean="0"/>
-              <a:t>You can also get pressure transducers and load cells that encapsulate all of the signal conditioning.</a:t>
-            </a:r>
-          </a:p>
-        </p:txBody>
-      </p:sp>
-    </p:spTree>
-    <p:extLst>
-      <p:ext uri="{BB962C8B-B14F-4D97-AF65-F5344CB8AC3E}">
-        <p14:creationId xmlns:p14="http://schemas.microsoft.com/office/powerpoint/2010/main" val="594573059"/>
-      </p:ext>
-    </p:extLst>
-  </p:cSld>
-  <p:clrMapOvr>
-    <a:masterClrMapping/>
-  </p:clrMapOvr>
-</p:sld>
-</file>
-
-<file path=ppt/slides/slide58.xml><?xml version="1.0" encoding="utf-8"?>
-<p:sld xmlns:a="http://schemas.openxmlformats.org/drawingml/2006/main" xmlns:r="http://schemas.openxmlformats.org/officeDocument/2006/relationships" xmlns:p="http://schemas.openxmlformats.org/presentationml/2006/main">
-  <p:cSld>
-    <p:spTree>
-      <p:nvGrpSpPr>
-        <p:cNvPr id="1" name=""/>
-        <p:cNvGrpSpPr/>
-        <p:nvPr/>
-      </p:nvGrpSpPr>
-      <p:grpSpPr>
-        <a:xfrm>
-          <a:off x="0" y="0"/>
-          <a:ext cx="0" cy="0"/>
-          <a:chOff x="0" y="0"/>
-          <a:chExt cx="0" cy="0"/>
-        </a:xfrm>
-      </p:grpSpPr>
-      <p:sp>
-        <p:nvSpPr>
-          <p:cNvPr id="2" name="Title 1"/>
-          <p:cNvSpPr>
-            <a:spLocks noGrp="1"/>
-          </p:cNvSpPr>
-          <p:nvPr>
-            <p:ph type="title"/>
-          </p:nvPr>
-        </p:nvSpPr>
-        <p:spPr/>
-        <p:txBody>
-          <a:bodyPr/>
-          <a:lstStyle/>
-          <a:p>
-            <a:r>
-              <a:rPr lang="en-US" dirty="0" smtClean="0"/>
-              <a:t>Capacitive sensing</a:t>
-            </a:r>
-            <a:endParaRPr lang="en-US" dirty="0"/>
-          </a:p>
-        </p:txBody>
-      </p:sp>
-      <p:sp>
-        <p:nvSpPr>
-          <p:cNvPr id="3" name="Content Placeholder 2"/>
-          <p:cNvSpPr>
-            <a:spLocks noGrp="1"/>
-          </p:cNvSpPr>
-          <p:nvPr>
-            <p:ph idx="1"/>
-          </p:nvPr>
-        </p:nvSpPr>
-        <p:spPr/>
-        <p:txBody>
-          <a:bodyPr/>
-          <a:lstStyle/>
-          <a:p>
-            <a:r>
-              <a:rPr lang="en-US" dirty="0" smtClean="0"/>
-              <a:t>Useful for user interface elements</a:t>
-            </a:r>
-          </a:p>
-          <a:p>
-            <a:r>
-              <a:rPr lang="en-US" dirty="0" smtClean="0"/>
-              <a:t>Also good for level and presence sensing</a:t>
-            </a:r>
-          </a:p>
-          <a:p>
-            <a:r>
-              <a:rPr lang="en-US" dirty="0" smtClean="0"/>
-              <a:t>Can be implemented directly from Atmel microcontrollers using (closed source) </a:t>
-            </a:r>
-            <a:r>
-              <a:rPr lang="en-US" dirty="0" err="1" smtClean="0"/>
-              <a:t>QTouch</a:t>
-            </a:r>
-            <a:r>
-              <a:rPr lang="en-US" dirty="0" smtClean="0"/>
-              <a:t> library</a:t>
-            </a:r>
-          </a:p>
-          <a:p>
-            <a:r>
-              <a:rPr lang="en-US" dirty="0" err="1" smtClean="0"/>
-              <a:t>QTouch</a:t>
-            </a:r>
-            <a:r>
-              <a:rPr lang="en-US" dirty="0" smtClean="0"/>
-              <a:t> doesn’t work with Arduino, but some other people have done it with Arduinos.</a:t>
-            </a:r>
-          </a:p>
-          <a:p>
-            <a:endParaRPr lang="en-US" dirty="0"/>
-          </a:p>
-        </p:txBody>
-      </p:sp>
-    </p:spTree>
-    <p:extLst>
-      <p:ext uri="{BB962C8B-B14F-4D97-AF65-F5344CB8AC3E}">
-        <p14:creationId xmlns:p14="http://schemas.microsoft.com/office/powerpoint/2010/main" val="1616471405"/>
-      </p:ext>
-    </p:extLst>
-  </p:cSld>
-  <p:clrMapOvr>
-    <a:masterClrMapping/>
-  </p:clrMapOvr>
+  <p:timing>
+    <p:tnLst>
+      <p:par>
+        <p:cTn id="1" dur="indefinite" restart="never" nodeType="tmRoot"/>
+      </p:par>
+    </p:tnLst>
+  </p:timing>
 </p:sld>
 </file>
 
@@ -13353,7 +13391,7 @@
           <a:p>
             <a:r>
               <a:rPr lang="en-US" dirty="0" smtClean="0"/>
-              <a:t>And that’s all for today</a:t>
+              <a:t>Load cells and pressure transducers</a:t>
             </a:r>
             <a:endParaRPr lang="en-US" dirty="0"/>
           </a:p>
@@ -13361,12 +13399,12 @@
       </p:sp>
       <p:sp>
         <p:nvSpPr>
-          <p:cNvPr id="3" name="Text Placeholder 2"/>
-          <p:cNvSpPr>
-            <a:spLocks noGrp="1"/>
-          </p:cNvSpPr>
-          <p:nvPr>
-            <p:ph type="body" idx="1"/>
+          <p:cNvPr id="3" name="Content Placeholder 2"/>
+          <p:cNvSpPr>
+            <a:spLocks noGrp="1"/>
+          </p:cNvSpPr>
+          <p:nvPr>
+            <p:ph idx="1"/>
           </p:nvPr>
         </p:nvSpPr>
         <p:spPr/>
@@ -13374,20 +13412,48 @@
           <a:bodyPr/>
           <a:lstStyle/>
           <a:p>
-            <a:endParaRPr lang="en-US" dirty="0"/>
+            <a:r>
+              <a:rPr lang="en-US" dirty="0" smtClean="0"/>
+              <a:t>Four strain gauges and well-characterized diaphragm or beam make a very accurate pressure or force sensor</a:t>
+            </a:r>
+          </a:p>
+          <a:p>
+            <a:r>
+              <a:rPr lang="en-US" dirty="0" smtClean="0"/>
+              <a:t>The four gauges are arranged around the beam or diaphragm such that thermal expansion/contraction cause no change in output. </a:t>
+            </a:r>
+          </a:p>
+          <a:p>
+            <a:r>
+              <a:rPr lang="en-US" dirty="0" smtClean="0"/>
+              <a:t>Many companies sell chips that encapsulate excitation + amplification in a single chip, like the INA125.</a:t>
+            </a:r>
+          </a:p>
+          <a:p>
+            <a:r>
+              <a:rPr lang="en-US" dirty="0" smtClean="0"/>
+              <a:t>You can also get pressure transducers and load cells that encapsulate all of the signal conditioning.</a:t>
+            </a:r>
           </a:p>
         </p:txBody>
       </p:sp>
     </p:spTree>
     <p:extLst>
       <p:ext uri="{BB962C8B-B14F-4D97-AF65-F5344CB8AC3E}">
-        <p14:creationId xmlns:p14="http://schemas.microsoft.com/office/powerpoint/2010/main" val="3179857754"/>
+        <p14:creationId xmlns:p14="http://schemas.microsoft.com/office/powerpoint/2010/main" val="594573059"/>
       </p:ext>
     </p:extLst>
   </p:cSld>
   <p:clrMapOvr>
     <a:masterClrMapping/>
   </p:clrMapOvr>
+  <p:timing>
+    <p:tnLst>
+      <p:par>
+        <p:cTn id="1" dur="indefinite" restart="never" nodeType="tmRoot"/>
+      </p:par>
+    </p:tnLst>
+  </p:timing>
 </p:sld>
 </file>
 
@@ -13557,6 +13623,214 @@
     <p:extLst>
       <p:ext uri="{BB962C8B-B14F-4D97-AF65-F5344CB8AC3E}">
         <p14:creationId xmlns:p14="http://schemas.microsoft.com/office/powerpoint/2010/main" val="2739939476"/>
+      </p:ext>
+    </p:extLst>
+  </p:cSld>
+  <p:clrMapOvr>
+    <a:masterClrMapping/>
+  </p:clrMapOvr>
+  <p:timing>
+    <p:tnLst>
+      <p:par>
+        <p:cTn id="1" dur="indefinite" restart="never" nodeType="tmRoot"/>
+      </p:par>
+    </p:tnLst>
+  </p:timing>
+</p:sld>
+</file>
+
+<file path=ppt/slides/slide60.xml><?xml version="1.0" encoding="utf-8"?>
+<p:sld xmlns:a="http://schemas.openxmlformats.org/drawingml/2006/main" xmlns:r="http://schemas.openxmlformats.org/officeDocument/2006/relationships" xmlns:p="http://schemas.openxmlformats.org/presentationml/2006/main">
+  <p:cSld>
+    <p:spTree>
+      <p:nvGrpSpPr>
+        <p:cNvPr id="1" name=""/>
+        <p:cNvGrpSpPr/>
+        <p:nvPr/>
+      </p:nvGrpSpPr>
+      <p:grpSpPr>
+        <a:xfrm>
+          <a:off x="0" y="0"/>
+          <a:ext cx="0" cy="0"/>
+          <a:chOff x="0" y="0"/>
+          <a:chExt cx="0" cy="0"/>
+        </a:xfrm>
+      </p:grpSpPr>
+      <p:sp>
+        <p:nvSpPr>
+          <p:cNvPr id="2" name="Title 1"/>
+          <p:cNvSpPr>
+            <a:spLocks noGrp="1"/>
+          </p:cNvSpPr>
+          <p:nvPr>
+            <p:ph type="title"/>
+          </p:nvPr>
+        </p:nvSpPr>
+        <p:spPr/>
+        <p:txBody>
+          <a:bodyPr/>
+          <a:lstStyle/>
+          <a:p>
+            <a:r>
+              <a:rPr lang="en-US" dirty="0" smtClean="0"/>
+              <a:t>Capacitive sensing</a:t>
+            </a:r>
+            <a:endParaRPr lang="en-US" dirty="0"/>
+          </a:p>
+        </p:txBody>
+      </p:sp>
+      <p:sp>
+        <p:nvSpPr>
+          <p:cNvPr id="3" name="Content Placeholder 2"/>
+          <p:cNvSpPr>
+            <a:spLocks noGrp="1"/>
+          </p:cNvSpPr>
+          <p:nvPr>
+            <p:ph idx="1"/>
+          </p:nvPr>
+        </p:nvSpPr>
+        <p:spPr/>
+        <p:txBody>
+          <a:bodyPr/>
+          <a:lstStyle/>
+          <a:p>
+            <a:r>
+              <a:rPr lang="en-US" dirty="0" smtClean="0"/>
+              <a:t>Useful for user interface elements</a:t>
+            </a:r>
+          </a:p>
+          <a:p>
+            <a:r>
+              <a:rPr lang="en-US" dirty="0" smtClean="0"/>
+              <a:t>Also good for level and presence sensing</a:t>
+            </a:r>
+          </a:p>
+          <a:p>
+            <a:r>
+              <a:rPr lang="en-US" dirty="0" smtClean="0"/>
+              <a:t>Can be implemented directly from Atmel microcontrollers using (closed source) </a:t>
+            </a:r>
+            <a:r>
+              <a:rPr lang="en-US" dirty="0" err="1" smtClean="0"/>
+              <a:t>QTouch</a:t>
+            </a:r>
+            <a:r>
+              <a:rPr lang="en-US" dirty="0" smtClean="0"/>
+              <a:t> library</a:t>
+            </a:r>
+          </a:p>
+          <a:p>
+            <a:r>
+              <a:rPr lang="en-US" dirty="0" err="1" smtClean="0"/>
+              <a:t>QTouch</a:t>
+            </a:r>
+            <a:r>
+              <a:rPr lang="en-US" dirty="0" smtClean="0"/>
+              <a:t> doesn’t work with </a:t>
+            </a:r>
+            <a:r>
+              <a:rPr lang="en-US" dirty="0" smtClean="0"/>
+              <a:t>the Arduino IDE</a:t>
+            </a:r>
+          </a:p>
+          <a:p>
+            <a:r>
+              <a:rPr lang="en-US" dirty="0" smtClean="0"/>
+              <a:t>, </a:t>
+            </a:r>
+            <a:r>
+              <a:rPr lang="en-US" dirty="0" smtClean="0"/>
+              <a:t>but some other people have done it with Arduinos.</a:t>
+            </a:r>
+          </a:p>
+          <a:p>
+            <a:endParaRPr lang="en-US" dirty="0"/>
+          </a:p>
+        </p:txBody>
+      </p:sp>
+    </p:spTree>
+    <p:extLst>
+      <p:ext uri="{BB962C8B-B14F-4D97-AF65-F5344CB8AC3E}">
+        <p14:creationId xmlns:p14="http://schemas.microsoft.com/office/powerpoint/2010/main" val="1616471405"/>
+      </p:ext>
+    </p:extLst>
+  </p:cSld>
+  <p:clrMapOvr>
+    <a:masterClrMapping/>
+  </p:clrMapOvr>
+  <p:timing>
+    <p:tnLst>
+      <p:par>
+        <p:cTn id="1" dur="indefinite" restart="never" nodeType="tmRoot"/>
+      </p:par>
+    </p:tnLst>
+  </p:timing>
+</p:sld>
+</file>
+
+<file path=ppt/slides/slide61.xml><?xml version="1.0" encoding="utf-8"?>
+<p:sld xmlns:a="http://schemas.openxmlformats.org/drawingml/2006/main" xmlns:r="http://schemas.openxmlformats.org/officeDocument/2006/relationships" xmlns:p="http://schemas.openxmlformats.org/presentationml/2006/main">
+  <p:cSld>
+    <p:spTree>
+      <p:nvGrpSpPr>
+        <p:cNvPr id="1" name=""/>
+        <p:cNvGrpSpPr/>
+        <p:nvPr/>
+      </p:nvGrpSpPr>
+      <p:grpSpPr>
+        <a:xfrm>
+          <a:off x="0" y="0"/>
+          <a:ext cx="0" cy="0"/>
+          <a:chOff x="0" y="0"/>
+          <a:chExt cx="0" cy="0"/>
+        </a:xfrm>
+      </p:grpSpPr>
+      <p:sp>
+        <p:nvSpPr>
+          <p:cNvPr id="2" name="Title 1"/>
+          <p:cNvSpPr>
+            <a:spLocks noGrp="1"/>
+          </p:cNvSpPr>
+          <p:nvPr>
+            <p:ph type="title"/>
+          </p:nvPr>
+        </p:nvSpPr>
+        <p:spPr/>
+        <p:txBody>
+          <a:bodyPr/>
+          <a:lstStyle/>
+          <a:p>
+            <a:r>
+              <a:rPr lang="en-US" dirty="0" smtClean="0"/>
+              <a:t>And that’s all for today</a:t>
+            </a:r>
+            <a:endParaRPr lang="en-US" dirty="0"/>
+          </a:p>
+        </p:txBody>
+      </p:sp>
+      <p:sp>
+        <p:nvSpPr>
+          <p:cNvPr id="3" name="Text Placeholder 2"/>
+          <p:cNvSpPr>
+            <a:spLocks noGrp="1"/>
+          </p:cNvSpPr>
+          <p:nvPr>
+            <p:ph type="body" idx="1"/>
+          </p:nvPr>
+        </p:nvSpPr>
+        <p:spPr/>
+        <p:txBody>
+          <a:bodyPr/>
+          <a:lstStyle/>
+          <a:p>
+            <a:endParaRPr lang="en-US" dirty="0"/>
+          </a:p>
+        </p:txBody>
+      </p:sp>
+    </p:spTree>
+    <p:extLst>
+      <p:ext uri="{BB962C8B-B14F-4D97-AF65-F5344CB8AC3E}">
+        <p14:creationId xmlns:p14="http://schemas.microsoft.com/office/powerpoint/2010/main" val="3179857754"/>
       </p:ext>
     </p:extLst>
   </p:cSld>

--- a/presentation/Mobile Sensors Workshop, Part 1.pptx
+++ b/presentation/Mobile Sensors Workshop, Part 1.pptx
@@ -44,9 +44,9 @@
     <p:sldId id="293" r:id="rId38"/>
     <p:sldId id="285" r:id="rId39"/>
     <p:sldId id="286" r:id="rId40"/>
-    <p:sldId id="318" r:id="rId41"/>
-    <p:sldId id="298" r:id="rId42"/>
-    <p:sldId id="289" r:id="rId43"/>
+    <p:sldId id="289" r:id="rId41"/>
+    <p:sldId id="318" r:id="rId42"/>
+    <p:sldId id="298" r:id="rId43"/>
     <p:sldId id="287" r:id="rId44"/>
     <p:sldId id="288" r:id="rId45"/>
     <p:sldId id="290" r:id="rId46"/>
@@ -9039,6 +9039,135 @@
           <a:p>
             <a:r>
               <a:rPr lang="en-US" dirty="0" smtClean="0"/>
+              <a:t>A quick word about ground</a:t>
+            </a:r>
+            <a:endParaRPr lang="en-US" dirty="0"/>
+          </a:p>
+        </p:txBody>
+      </p:sp>
+      <p:sp>
+        <p:nvSpPr>
+          <p:cNvPr id="3" name="Content Placeholder 2"/>
+          <p:cNvSpPr>
+            <a:spLocks noGrp="1"/>
+          </p:cNvSpPr>
+          <p:nvPr>
+            <p:ph idx="1"/>
+          </p:nvPr>
+        </p:nvSpPr>
+        <p:spPr>
+          <a:xfrm>
+            <a:off x="838200" y="1825624"/>
+            <a:ext cx="3733800" cy="4815807"/>
+          </a:xfrm>
+        </p:spPr>
+        <p:txBody>
+          <a:bodyPr/>
+          <a:lstStyle/>
+          <a:p>
+            <a:r>
+              <a:rPr lang="en-US" dirty="0" smtClean="0"/>
+              <a:t>Ground in all these circuits is where you choose to put it.</a:t>
+            </a:r>
+          </a:p>
+          <a:p>
+            <a:r>
+              <a:rPr lang="en-US" dirty="0" smtClean="0"/>
+              <a:t>Therefore, we can use it to introduce output offset</a:t>
+            </a:r>
+          </a:p>
+          <a:p>
+            <a:pPr marL="0" indent="0">
+              <a:buNone/>
+            </a:pPr>
+            <a:endParaRPr lang="en-US" dirty="0"/>
+          </a:p>
+        </p:txBody>
+      </p:sp>
+      <p:pic>
+        <p:nvPicPr>
+          <p:cNvPr id="4" name="Picture 3"/>
+          <p:cNvPicPr>
+            <a:picLocks noChangeAspect="1"/>
+          </p:cNvPicPr>
+          <p:nvPr/>
+        </p:nvPicPr>
+        <p:blipFill>
+          <a:blip r:embed="rId2">
+            <a:extLst>
+              <a:ext uri="{28A0092B-C50C-407E-A947-70E740481C1C}">
+                <a14:useLocalDpi xmlns:a14="http://schemas.microsoft.com/office/drawing/2010/main" val="0"/>
+              </a:ext>
+            </a:extLst>
+          </a:blip>
+          <a:stretch>
+            <a:fillRect/>
+          </a:stretch>
+        </p:blipFill>
+        <p:spPr>
+          <a:xfrm>
+            <a:off x="4571999" y="1825624"/>
+            <a:ext cx="7448165" cy="4309813"/>
+          </a:xfrm>
+          <a:prstGeom prst="rect">
+            <a:avLst/>
+          </a:prstGeom>
+        </p:spPr>
+      </p:pic>
+    </p:spTree>
+    <p:extLst>
+      <p:ext uri="{BB962C8B-B14F-4D97-AF65-F5344CB8AC3E}">
+        <p14:creationId xmlns:p14="http://schemas.microsoft.com/office/powerpoint/2010/main" val="2700403819"/>
+      </p:ext>
+    </p:extLst>
+  </p:cSld>
+  <p:clrMapOvr>
+    <a:masterClrMapping/>
+  </p:clrMapOvr>
+  <p:timing>
+    <p:tnLst>
+      <p:par>
+        <p:cTn id="1" dur="indefinite" restart="never" nodeType="tmRoot"/>
+      </p:par>
+    </p:tnLst>
+  </p:timing>
+</p:sld>
+</file>
+
+<file path=ppt/slides/slide41.xml><?xml version="1.0" encoding="utf-8"?>
+<p:sld xmlns:a="http://schemas.openxmlformats.org/drawingml/2006/main" xmlns:r="http://schemas.openxmlformats.org/officeDocument/2006/relationships" xmlns:p="http://schemas.openxmlformats.org/presentationml/2006/main">
+  <p:cSld>
+    <p:spTree>
+      <p:nvGrpSpPr>
+        <p:cNvPr id="1" name=""/>
+        <p:cNvGrpSpPr/>
+        <p:nvPr/>
+      </p:nvGrpSpPr>
+      <p:grpSpPr>
+        <a:xfrm>
+          <a:off x="0" y="0"/>
+          <a:ext cx="0" cy="0"/>
+          <a:chOff x="0" y="0"/>
+          <a:chExt cx="0" cy="0"/>
+        </a:xfrm>
+      </p:grpSpPr>
+      <p:sp>
+        <p:nvSpPr>
+          <p:cNvPr id="2" name="Title 1"/>
+          <p:cNvSpPr>
+            <a:spLocks noGrp="1"/>
+          </p:cNvSpPr>
+          <p:nvPr>
+            <p:ph type="title"/>
+          </p:nvPr>
+        </p:nvSpPr>
+        <p:spPr/>
+        <p:txBody>
+          <a:bodyPr/>
+          <a:lstStyle/>
+          <a:p>
+            <a:r>
+              <a:rPr lang="en-US" dirty="0" smtClean="0"/>
               <a:t>Adding an amplifier to the bend sensor…</a:t>
             </a:r>
             <a:endParaRPr lang="en-US" dirty="0"/>
@@ -9094,7 +9223,7 @@
 </p:sld>
 </file>
 
-<file path=ppt/slides/slide41.xml><?xml version="1.0" encoding="utf-8"?>
+<file path=ppt/slides/slide42.xml><?xml version="1.0" encoding="utf-8"?>
 <p:sld xmlns:a="http://schemas.openxmlformats.org/drawingml/2006/main" xmlns:r="http://schemas.openxmlformats.org/officeDocument/2006/relationships" xmlns:p="http://schemas.openxmlformats.org/presentationml/2006/main">
   <p:cSld>
     <p:spTree>
@@ -9170,135 +9299,6 @@
     <p:extLst>
       <p:ext uri="{BB962C8B-B14F-4D97-AF65-F5344CB8AC3E}">
         <p14:creationId xmlns:p14="http://schemas.microsoft.com/office/powerpoint/2010/main" val="2577411376"/>
-      </p:ext>
-    </p:extLst>
-  </p:cSld>
-  <p:clrMapOvr>
-    <a:masterClrMapping/>
-  </p:clrMapOvr>
-  <p:timing>
-    <p:tnLst>
-      <p:par>
-        <p:cTn id="1" dur="indefinite" restart="never" nodeType="tmRoot"/>
-      </p:par>
-    </p:tnLst>
-  </p:timing>
-</p:sld>
-</file>
-
-<file path=ppt/slides/slide42.xml><?xml version="1.0" encoding="utf-8"?>
-<p:sld xmlns:a="http://schemas.openxmlformats.org/drawingml/2006/main" xmlns:r="http://schemas.openxmlformats.org/officeDocument/2006/relationships" xmlns:p="http://schemas.openxmlformats.org/presentationml/2006/main">
-  <p:cSld>
-    <p:spTree>
-      <p:nvGrpSpPr>
-        <p:cNvPr id="1" name=""/>
-        <p:cNvGrpSpPr/>
-        <p:nvPr/>
-      </p:nvGrpSpPr>
-      <p:grpSpPr>
-        <a:xfrm>
-          <a:off x="0" y="0"/>
-          <a:ext cx="0" cy="0"/>
-          <a:chOff x="0" y="0"/>
-          <a:chExt cx="0" cy="0"/>
-        </a:xfrm>
-      </p:grpSpPr>
-      <p:sp>
-        <p:nvSpPr>
-          <p:cNvPr id="2" name="Title 1"/>
-          <p:cNvSpPr>
-            <a:spLocks noGrp="1"/>
-          </p:cNvSpPr>
-          <p:nvPr>
-            <p:ph type="title"/>
-          </p:nvPr>
-        </p:nvSpPr>
-        <p:spPr/>
-        <p:txBody>
-          <a:bodyPr/>
-          <a:lstStyle/>
-          <a:p>
-            <a:r>
-              <a:rPr lang="en-US" dirty="0" smtClean="0"/>
-              <a:t>A quick word about ground</a:t>
-            </a:r>
-            <a:endParaRPr lang="en-US" dirty="0"/>
-          </a:p>
-        </p:txBody>
-      </p:sp>
-      <p:sp>
-        <p:nvSpPr>
-          <p:cNvPr id="3" name="Content Placeholder 2"/>
-          <p:cNvSpPr>
-            <a:spLocks noGrp="1"/>
-          </p:cNvSpPr>
-          <p:nvPr>
-            <p:ph idx="1"/>
-          </p:nvPr>
-        </p:nvSpPr>
-        <p:spPr>
-          <a:xfrm>
-            <a:off x="838200" y="1825624"/>
-            <a:ext cx="3733800" cy="4815807"/>
-          </a:xfrm>
-        </p:spPr>
-        <p:txBody>
-          <a:bodyPr/>
-          <a:lstStyle/>
-          <a:p>
-            <a:r>
-              <a:rPr lang="en-US" dirty="0" smtClean="0"/>
-              <a:t>Ground in all these circuits is where you choose to put it.</a:t>
-            </a:r>
-          </a:p>
-          <a:p>
-            <a:r>
-              <a:rPr lang="en-US" dirty="0" smtClean="0"/>
-              <a:t>Therefore, we can use it to introduce output offset</a:t>
-            </a:r>
-          </a:p>
-          <a:p>
-            <a:pPr marL="0" indent="0">
-              <a:buNone/>
-            </a:pPr>
-            <a:endParaRPr lang="en-US" dirty="0"/>
-          </a:p>
-        </p:txBody>
-      </p:sp>
-      <p:pic>
-        <p:nvPicPr>
-          <p:cNvPr id="4" name="Picture 3"/>
-          <p:cNvPicPr>
-            <a:picLocks noChangeAspect="1"/>
-          </p:cNvPicPr>
-          <p:nvPr/>
-        </p:nvPicPr>
-        <p:blipFill>
-          <a:blip r:embed="rId2">
-            <a:extLst>
-              <a:ext uri="{28A0092B-C50C-407E-A947-70E740481C1C}">
-                <a14:useLocalDpi xmlns:a14="http://schemas.microsoft.com/office/drawing/2010/main" val="0"/>
-              </a:ext>
-            </a:extLst>
-          </a:blip>
-          <a:stretch>
-            <a:fillRect/>
-          </a:stretch>
-        </p:blipFill>
-        <p:spPr>
-          <a:xfrm>
-            <a:off x="4571999" y="1825624"/>
-            <a:ext cx="7448165" cy="4309813"/>
-          </a:xfrm>
-          <a:prstGeom prst="rect">
-            <a:avLst/>
-          </a:prstGeom>
-        </p:spPr>
-      </p:pic>
-    </p:spTree>
-    <p:extLst>
-      <p:ext uri="{BB962C8B-B14F-4D97-AF65-F5344CB8AC3E}">
-        <p14:creationId xmlns:p14="http://schemas.microsoft.com/office/powerpoint/2010/main" val="2700403819"/>
       </p:ext>
     </p:extLst>
   </p:cSld>
